--- a/Office Docs/12 Reading from files.pptx
+++ b/Office Docs/12 Reading from files.pptx
@@ -5,29 +5,31 @@
     <p:sldMasterId id="2147483690" r:id="rId1"/>
   </p:sldMasterIdLst>
   <p:notesMasterIdLst>
-    <p:notesMasterId r:id="rId22"/>
+    <p:notesMasterId r:id="rId24"/>
   </p:notesMasterIdLst>
   <p:sldIdLst>
     <p:sldId id="256" r:id="rId2"/>
     <p:sldId id="280" r:id="rId3"/>
     <p:sldId id="257" r:id="rId4"/>
-    <p:sldId id="269" r:id="rId5"/>
-    <p:sldId id="281" r:id="rId6"/>
-    <p:sldId id="282" r:id="rId7"/>
-    <p:sldId id="289" r:id="rId8"/>
-    <p:sldId id="270" r:id="rId9"/>
-    <p:sldId id="283" r:id="rId10"/>
-    <p:sldId id="274" r:id="rId11"/>
-    <p:sldId id="275" r:id="rId12"/>
-    <p:sldId id="278" r:id="rId13"/>
-    <p:sldId id="284" r:id="rId14"/>
-    <p:sldId id="290" r:id="rId15"/>
-    <p:sldId id="285" r:id="rId16"/>
-    <p:sldId id="279" r:id="rId17"/>
-    <p:sldId id="291" r:id="rId18"/>
-    <p:sldId id="286" r:id="rId19"/>
-    <p:sldId id="287" r:id="rId20"/>
-    <p:sldId id="288" r:id="rId21"/>
+    <p:sldId id="292" r:id="rId5"/>
+    <p:sldId id="269" r:id="rId6"/>
+    <p:sldId id="281" r:id="rId7"/>
+    <p:sldId id="282" r:id="rId8"/>
+    <p:sldId id="289" r:id="rId9"/>
+    <p:sldId id="293" r:id="rId10"/>
+    <p:sldId id="270" r:id="rId11"/>
+    <p:sldId id="283" r:id="rId12"/>
+    <p:sldId id="274" r:id="rId13"/>
+    <p:sldId id="275" r:id="rId14"/>
+    <p:sldId id="278" r:id="rId15"/>
+    <p:sldId id="284" r:id="rId16"/>
+    <p:sldId id="290" r:id="rId17"/>
+    <p:sldId id="279" r:id="rId18"/>
+    <p:sldId id="285" r:id="rId19"/>
+    <p:sldId id="291" r:id="rId20"/>
+    <p:sldId id="286" r:id="rId21"/>
+    <p:sldId id="287" r:id="rId22"/>
+    <p:sldId id="288" r:id="rId23"/>
   </p:sldIdLst>
   <p:sldSz cx="12192000" cy="6858000"/>
   <p:notesSz cx="6858000" cy="9144000"/>
@@ -238,7 +240,7 @@
           <a:p>
             <a:fld id="{82CEBC7F-02DE-47A2-A407-FDB3BEF83CC0}" type="datetimeFigureOut">
               <a:rPr lang="en-CA" smtClean="0"/>
-              <a:t>2014-09-18</a:t>
+              <a:t>2014-09-24</a:t>
             </a:fld>
             <a:endParaRPr lang="en-CA"/>
           </a:p>
@@ -1201,7 +1203,7 @@
           <a:p>
             <a:fld id="{B8AE8910-8D76-47D3-A240-526DD3CA8A5E}" type="datetimeFigureOut">
               <a:rPr lang="en-CA" smtClean="0"/>
-              <a:t>2014-09-18</a:t>
+              <a:t>2014-09-24</a:t>
             </a:fld>
             <a:endParaRPr lang="en-CA"/>
           </a:p>
@@ -3612,6 +3614,722 @@
             <p:ph type="title"/>
           </p:nvPr>
         </p:nvSpPr>
+        <p:spPr>
+          <a:xfrm>
+            <a:off x="380231" y="182215"/>
+            <a:ext cx="11524432" cy="1063487"/>
+          </a:xfrm>
+        </p:spPr>
+        <p:txBody>
+          <a:bodyPr>
+            <a:normAutofit fontScale="90000"/>
+          </a:bodyPr>
+          <a:lstStyle/>
+          <a:p>
+            <a:r>
+              <a:rPr lang="en-CA" dirty="0" smtClean="0"/>
+              <a:t>If you are reading a CSV file, </a:t>
+            </a:r>
+            <a:br>
+              <a:rPr lang="en-CA" dirty="0" smtClean="0"/>
+            </a:br>
+            <a:r>
+              <a:rPr lang="en-CA" dirty="0" smtClean="0"/>
+              <a:t>there is a </a:t>
+            </a:r>
+            <a:r>
+              <a:rPr lang="en-CA" b="1" dirty="0" smtClean="0"/>
+              <a:t>csv</a:t>
+            </a:r>
+            <a:r>
+              <a:rPr lang="en-CA" dirty="0" smtClean="0"/>
+              <a:t> library that will help you!</a:t>
+            </a:r>
+            <a:endParaRPr lang="en-CA" dirty="0"/>
+          </a:p>
+        </p:txBody>
+      </p:sp>
+      <p:sp>
+        <p:nvSpPr>
+          <p:cNvPr id="4" name="Text Placeholder 3"/>
+          <p:cNvSpPr>
+            <a:spLocks noGrp="1"/>
+          </p:cNvSpPr>
+          <p:nvPr>
+            <p:ph sz="quarter" idx="10"/>
+          </p:nvPr>
+        </p:nvSpPr>
+        <p:spPr/>
+        <p:txBody>
+          <a:bodyPr>
+            <a:normAutofit/>
+          </a:bodyPr>
+          <a:lstStyle/>
+          <a:p>
+            <a:pPr marL="0" indent="0">
+              <a:buNone/>
+            </a:pPr>
+            <a:r>
+              <a:rPr lang="en-CA" dirty="0" smtClean="0"/>
+              <a:t>To access the features in the </a:t>
+            </a:r>
+            <a:r>
+              <a:rPr lang="en-CA" b="1" dirty="0" smtClean="0"/>
+              <a:t>csv</a:t>
+            </a:r>
+            <a:r>
+              <a:rPr lang="en-CA" dirty="0" smtClean="0"/>
+              <a:t> library you must import it</a:t>
+            </a:r>
+          </a:p>
+          <a:p>
+            <a:pPr marL="399915" lvl="1" indent="0">
+              <a:buNone/>
+            </a:pPr>
+            <a:r>
+              <a:rPr lang="en-US" altLang="en-US" sz="3200" dirty="0">
+                <a:solidFill>
+                  <a:srgbClr val="0000FF"/>
+                </a:solidFill>
+                <a:latin typeface="Consolas" panose="020B0609020204030204" pitchFamily="49" charset="0"/>
+                <a:cs typeface="Consolas" panose="020B0609020204030204" pitchFamily="49" charset="0"/>
+              </a:rPr>
+              <a:t>import</a:t>
+            </a:r>
+            <a:r>
+              <a:rPr lang="en-US" altLang="en-US" sz="3200" dirty="0">
+                <a:solidFill>
+                  <a:srgbClr val="000000"/>
+                </a:solidFill>
+                <a:latin typeface="Consolas" panose="020B0609020204030204" pitchFamily="49" charset="0"/>
+                <a:cs typeface="Consolas" panose="020B0609020204030204" pitchFamily="49" charset="0"/>
+              </a:rPr>
+              <a:t> </a:t>
+            </a:r>
+            <a:r>
+              <a:rPr lang="en-US" altLang="en-US" sz="3200" dirty="0" smtClean="0">
+                <a:solidFill>
+                  <a:srgbClr val="000000"/>
+                </a:solidFill>
+                <a:latin typeface="Consolas" panose="020B0609020204030204" pitchFamily="49" charset="0"/>
+                <a:cs typeface="Consolas" panose="020B0609020204030204" pitchFamily="49" charset="0"/>
+              </a:rPr>
+              <a:t>csv</a:t>
+            </a:r>
+          </a:p>
+        </p:txBody>
+      </p:sp>
+    </p:spTree>
+    <p:extLst>
+      <p:ext uri="{BB962C8B-B14F-4D97-AF65-F5344CB8AC3E}">
+        <p14:creationId xmlns:p14="http://schemas.microsoft.com/office/powerpoint/2010/main" val="1454411357"/>
+      </p:ext>
+    </p:extLst>
+  </p:cSld>
+  <p:clrMapOvr>
+    <a:masterClrMapping/>
+  </p:clrMapOvr>
+  <p:timing>
+    <p:tnLst>
+      <p:par>
+        <p:cTn id="1" dur="indefinite" restart="never" nodeType="tmRoot">
+          <p:childTnLst>
+            <p:seq concurrent="1" nextAc="seek">
+              <p:cTn id="2" dur="indefinite" nodeType="mainSeq">
+                <p:childTnLst>
+                  <p:par>
+                    <p:cTn id="3" fill="hold">
+                      <p:stCondLst>
+                        <p:cond delay="indefinite"/>
+                      </p:stCondLst>
+                      <p:childTnLst>
+                        <p:par>
+                          <p:cTn id="4" fill="hold">
+                            <p:stCondLst>
+                              <p:cond delay="0"/>
+                            </p:stCondLst>
+                            <p:childTnLst>
+                              <p:par>
+                                <p:cTn id="5" presetID="1" presetClass="entr" presetSubtype="0" fill="hold" grpId="0" nodeType="clickEffect">
+                                  <p:stCondLst>
+                                    <p:cond delay="0"/>
+                                  </p:stCondLst>
+                                  <p:childTnLst>
+                                    <p:set>
+                                      <p:cBhvr>
+                                        <p:cTn id="6" dur="1" fill="hold">
+                                          <p:stCondLst>
+                                            <p:cond delay="0"/>
+                                          </p:stCondLst>
+                                        </p:cTn>
+                                        <p:tgtEl>
+                                          <p:spTgt spid="4">
+                                            <p:txEl>
+                                              <p:pRg st="0" end="0"/>
+                                            </p:txEl>
+                                          </p:spTgt>
+                                        </p:tgtEl>
+                                        <p:attrNameLst>
+                                          <p:attrName>style.visibility</p:attrName>
+                                        </p:attrNameLst>
+                                      </p:cBhvr>
+                                      <p:to>
+                                        <p:strVal val="visible"/>
+                                      </p:to>
+                                    </p:set>
+                                  </p:childTnLst>
+                                </p:cTn>
+                              </p:par>
+                              <p:par>
+                                <p:cTn id="7" presetID="1" presetClass="entr" presetSubtype="0" fill="hold" grpId="0" nodeType="withEffect">
+                                  <p:stCondLst>
+                                    <p:cond delay="0"/>
+                                  </p:stCondLst>
+                                  <p:childTnLst>
+                                    <p:set>
+                                      <p:cBhvr>
+                                        <p:cTn id="8" dur="1" fill="hold">
+                                          <p:stCondLst>
+                                            <p:cond delay="0"/>
+                                          </p:stCondLst>
+                                        </p:cTn>
+                                        <p:tgtEl>
+                                          <p:spTgt spid="4">
+                                            <p:txEl>
+                                              <p:pRg st="1" end="1"/>
+                                            </p:txEl>
+                                          </p:spTgt>
+                                        </p:tgtEl>
+                                        <p:attrNameLst>
+                                          <p:attrName>style.visibility</p:attrName>
+                                        </p:attrNameLst>
+                                      </p:cBhvr>
+                                      <p:to>
+                                        <p:strVal val="visible"/>
+                                      </p:to>
+                                    </p:set>
+                                  </p:childTnLst>
+                                </p:cTn>
+                              </p:par>
+                            </p:childTnLst>
+                          </p:cTn>
+                        </p:par>
+                      </p:childTnLst>
+                    </p:cTn>
+                  </p:par>
+                </p:childTnLst>
+              </p:cTn>
+              <p:prevCondLst>
+                <p:cond evt="onPrev" delay="0">
+                  <p:tgtEl>
+                    <p:sldTgt/>
+                  </p:tgtEl>
+                </p:cond>
+              </p:prevCondLst>
+              <p:nextCondLst>
+                <p:cond evt="onNext" delay="0">
+                  <p:tgtEl>
+                    <p:sldTgt/>
+                  </p:tgtEl>
+                </p:cond>
+              </p:nextCondLst>
+            </p:seq>
+          </p:childTnLst>
+        </p:cTn>
+      </p:par>
+    </p:tnLst>
+    <p:bldLst>
+      <p:bldP spid="4" grpId="0" build="p"/>
+    </p:bldLst>
+  </p:timing>
+</p:sld>
+</file>
+
+<file path=ppt/slides/slide11.xml><?xml version="1.0" encoding="utf-8"?>
+<p:sld xmlns:a="http://schemas.openxmlformats.org/drawingml/2006/main" xmlns:r="http://schemas.openxmlformats.org/officeDocument/2006/relationships" xmlns:p="http://schemas.openxmlformats.org/presentationml/2006/main">
+  <p:cSld>
+    <p:spTree>
+      <p:nvGrpSpPr>
+        <p:cNvPr id="1" name=""/>
+        <p:cNvGrpSpPr/>
+        <p:nvPr/>
+      </p:nvGrpSpPr>
+      <p:grpSpPr>
+        <a:xfrm>
+          <a:off x="0" y="0"/>
+          <a:ext cx="0" cy="0"/>
+          <a:chOff x="0" y="0"/>
+          <a:chExt cx="0" cy="0"/>
+        </a:xfrm>
+      </p:grpSpPr>
+      <p:sp>
+        <p:nvSpPr>
+          <p:cNvPr id="2" name="Title 1"/>
+          <p:cNvSpPr>
+            <a:spLocks noGrp="1"/>
+          </p:cNvSpPr>
+          <p:nvPr>
+            <p:ph type="title"/>
+          </p:nvPr>
+        </p:nvSpPr>
+        <p:spPr/>
+        <p:txBody>
+          <a:bodyPr>
+            <a:normAutofit fontScale="90000"/>
+          </a:bodyPr>
+          <a:lstStyle/>
+          <a:p>
+            <a:r>
+              <a:rPr lang="en-CA" dirty="0" smtClean="0"/>
+              <a:t>Now you can use the </a:t>
+            </a:r>
+            <a:r>
+              <a:rPr lang="en-CA" b="1" dirty="0" smtClean="0"/>
+              <a:t>reader</a:t>
+            </a:r>
+            <a:r>
+              <a:rPr lang="en-CA" dirty="0" smtClean="0"/>
+              <a:t> function to return all the rows from the file into a list</a:t>
+            </a:r>
+            <a:endParaRPr lang="en-CA" dirty="0"/>
+          </a:p>
+        </p:txBody>
+      </p:sp>
+      <p:sp>
+        <p:nvSpPr>
+          <p:cNvPr id="4" name="Text Placeholder 3"/>
+          <p:cNvSpPr>
+            <a:spLocks noGrp="1"/>
+          </p:cNvSpPr>
+          <p:nvPr>
+            <p:ph sz="quarter" idx="10"/>
+          </p:nvPr>
+        </p:nvSpPr>
+        <p:spPr/>
+        <p:txBody>
+          <a:bodyPr>
+            <a:normAutofit/>
+          </a:bodyPr>
+          <a:lstStyle/>
+          <a:p>
+            <a:pPr marL="0" indent="0">
+              <a:buNone/>
+            </a:pPr>
+            <a:r>
+              <a:rPr lang="en-CA" dirty="0"/>
+              <a:t>The reader function will take an open csv file and return each row from the file into a list</a:t>
+            </a:r>
+          </a:p>
+          <a:p>
+            <a:pPr marL="399915" lvl="1" indent="0">
+              <a:buNone/>
+            </a:pPr>
+            <a:r>
+              <a:rPr lang="en-CA" dirty="0" err="1" smtClean="0">
+                <a:latin typeface="Consolas" panose="020B0609020204030204" pitchFamily="49" charset="0"/>
+                <a:cs typeface="Consolas" panose="020B0609020204030204" pitchFamily="49" charset="0"/>
+              </a:rPr>
+              <a:t>dataFromFile</a:t>
+            </a:r>
+            <a:r>
+              <a:rPr lang="en-CA" dirty="0" smtClean="0">
+                <a:latin typeface="Consolas" panose="020B0609020204030204" pitchFamily="49" charset="0"/>
+                <a:cs typeface="Consolas" panose="020B0609020204030204" pitchFamily="49" charset="0"/>
+              </a:rPr>
+              <a:t> = </a:t>
+            </a:r>
+            <a:r>
+              <a:rPr lang="en-CA" dirty="0" err="1" smtClean="0">
+                <a:latin typeface="Consolas" panose="020B0609020204030204" pitchFamily="49" charset="0"/>
+                <a:cs typeface="Consolas" panose="020B0609020204030204" pitchFamily="49" charset="0"/>
+              </a:rPr>
+              <a:t>csv.reader</a:t>
+            </a:r>
+            <a:r>
+              <a:rPr lang="en-CA" dirty="0" smtClean="0">
+                <a:latin typeface="Consolas" panose="020B0609020204030204" pitchFamily="49" charset="0"/>
+                <a:cs typeface="Consolas" panose="020B0609020204030204" pitchFamily="49" charset="0"/>
+              </a:rPr>
+              <a:t>(</a:t>
+            </a:r>
+            <a:r>
+              <a:rPr lang="en-CA" dirty="0" err="1" smtClean="0">
+                <a:latin typeface="Consolas" panose="020B0609020204030204" pitchFamily="49" charset="0"/>
+                <a:cs typeface="Consolas" panose="020B0609020204030204" pitchFamily="49" charset="0"/>
+              </a:rPr>
+              <a:t>myCSVfile</a:t>
+            </a:r>
+            <a:r>
+              <a:rPr lang="en-CA" dirty="0" smtClean="0">
+                <a:latin typeface="Consolas" panose="020B0609020204030204" pitchFamily="49" charset="0"/>
+                <a:cs typeface="Consolas" panose="020B0609020204030204" pitchFamily="49" charset="0"/>
+              </a:rPr>
+              <a:t>)</a:t>
+            </a:r>
+            <a:endParaRPr lang="en-CA" dirty="0" smtClean="0">
+              <a:solidFill>
+                <a:schemeClr val="accent6">
+                  <a:lumMod val="75000"/>
+                </a:schemeClr>
+              </a:solidFill>
+              <a:latin typeface="+mj-lt"/>
+              <a:cs typeface="Consolas" panose="020B0609020204030204" pitchFamily="49" charset="0"/>
+            </a:endParaRPr>
+          </a:p>
+          <a:p>
+            <a:pPr marL="0" indent="0">
+              <a:buNone/>
+            </a:pPr>
+            <a:r>
+              <a:rPr lang="en-CA" dirty="0" smtClean="0"/>
+              <a:t>If your file is not using a comma to separate the values, you can tell the reader function what character is used as a delimiter</a:t>
+            </a:r>
+          </a:p>
+          <a:p>
+            <a:pPr marL="399915" lvl="1" indent="0" defTabSz="914400" eaLnBrk="0" fontAlgn="base" hangingPunct="0">
+              <a:spcBef>
+                <a:spcPct val="0"/>
+              </a:spcBef>
+              <a:spcAft>
+                <a:spcPct val="0"/>
+              </a:spcAft>
+              <a:buNone/>
+            </a:pPr>
+            <a:r>
+              <a:rPr lang="en-US" altLang="en-US" dirty="0" err="1">
+                <a:solidFill>
+                  <a:srgbClr val="000000"/>
+                </a:solidFill>
+                <a:latin typeface="Consolas" panose="020B0609020204030204" pitchFamily="49" charset="0"/>
+                <a:cs typeface="Consolas" panose="020B0609020204030204" pitchFamily="49" charset="0"/>
+              </a:rPr>
+              <a:t>dataFromFile</a:t>
+            </a:r>
+            <a:r>
+              <a:rPr lang="en-US" altLang="en-US" dirty="0">
+                <a:solidFill>
+                  <a:srgbClr val="000000"/>
+                </a:solidFill>
+                <a:latin typeface="Consolas" panose="020B0609020204030204" pitchFamily="49" charset="0"/>
+                <a:cs typeface="Consolas" panose="020B0609020204030204" pitchFamily="49" charset="0"/>
+              </a:rPr>
+              <a:t> = </a:t>
+            </a:r>
+            <a:r>
+              <a:rPr lang="en-US" altLang="en-US" dirty="0" err="1">
+                <a:solidFill>
+                  <a:srgbClr val="000000"/>
+                </a:solidFill>
+                <a:latin typeface="Consolas" panose="020B0609020204030204" pitchFamily="49" charset="0"/>
+                <a:cs typeface="Consolas" panose="020B0609020204030204" pitchFamily="49" charset="0"/>
+              </a:rPr>
+              <a:t>csv.reader</a:t>
+            </a:r>
+            <a:r>
+              <a:rPr lang="en-US" altLang="en-US" dirty="0">
+                <a:solidFill>
+                  <a:srgbClr val="000000"/>
+                </a:solidFill>
+                <a:latin typeface="Consolas" panose="020B0609020204030204" pitchFamily="49" charset="0"/>
+                <a:cs typeface="Consolas" panose="020B0609020204030204" pitchFamily="49" charset="0"/>
+              </a:rPr>
+              <a:t>(</a:t>
+            </a:r>
+            <a:r>
+              <a:rPr lang="en-US" altLang="en-US" dirty="0" err="1">
+                <a:solidFill>
+                  <a:srgbClr val="000000"/>
+                </a:solidFill>
+                <a:latin typeface="Consolas" panose="020B0609020204030204" pitchFamily="49" charset="0"/>
+                <a:cs typeface="Consolas" panose="020B0609020204030204" pitchFamily="49" charset="0"/>
+              </a:rPr>
+              <a:t>myCSVFile</a:t>
+            </a:r>
+            <a:r>
+              <a:rPr lang="en-US" altLang="en-US" dirty="0">
+                <a:solidFill>
+                  <a:srgbClr val="000000"/>
+                </a:solidFill>
+                <a:latin typeface="Consolas" panose="020B0609020204030204" pitchFamily="49" charset="0"/>
+                <a:cs typeface="Consolas" panose="020B0609020204030204" pitchFamily="49" charset="0"/>
+              </a:rPr>
+              <a:t>, </a:t>
+            </a:r>
+            <a:r>
+              <a:rPr lang="en-US" altLang="en-US" dirty="0" smtClean="0">
+                <a:solidFill>
+                  <a:srgbClr val="000000"/>
+                </a:solidFill>
+                <a:latin typeface="Consolas" panose="020B0609020204030204" pitchFamily="49" charset="0"/>
+                <a:cs typeface="Consolas" panose="020B0609020204030204" pitchFamily="49" charset="0"/>
+              </a:rPr>
+              <a:t>delimiter=</a:t>
+            </a:r>
+            <a:r>
+              <a:rPr lang="en-US" altLang="en-US" dirty="0" smtClean="0">
+                <a:solidFill>
+                  <a:srgbClr val="A31515"/>
+                </a:solidFill>
+                <a:latin typeface="Consolas" panose="020B0609020204030204" pitchFamily="49" charset="0"/>
+                <a:cs typeface="Consolas" panose="020B0609020204030204" pitchFamily="49" charset="0"/>
+              </a:rPr>
+              <a:t>","</a:t>
+            </a:r>
+            <a:r>
+              <a:rPr lang="en-US" altLang="en-US" dirty="0" smtClean="0">
+                <a:solidFill>
+                  <a:srgbClr val="000000"/>
+                </a:solidFill>
+                <a:latin typeface="Consolas" panose="020B0609020204030204" pitchFamily="49" charset="0"/>
+                <a:cs typeface="Consolas" panose="020B0609020204030204" pitchFamily="49" charset="0"/>
+              </a:rPr>
+              <a:t>) </a:t>
+            </a:r>
+            <a:endParaRPr lang="en-US" altLang="en-US" sz="6000" dirty="0">
+              <a:latin typeface="Arial" panose="020B0604020202020204" pitchFamily="34" charset="0"/>
+            </a:endParaRPr>
+          </a:p>
+          <a:p>
+            <a:pPr marL="0" indent="0">
+              <a:buNone/>
+            </a:pPr>
+            <a:endParaRPr lang="en-CA" b="1" dirty="0"/>
+          </a:p>
+        </p:txBody>
+      </p:sp>
+    </p:spTree>
+    <p:extLst>
+      <p:ext uri="{BB962C8B-B14F-4D97-AF65-F5344CB8AC3E}">
+        <p14:creationId xmlns:p14="http://schemas.microsoft.com/office/powerpoint/2010/main" val="264861442"/>
+      </p:ext>
+    </p:extLst>
+  </p:cSld>
+  <p:clrMapOvr>
+    <a:masterClrMapping/>
+  </p:clrMapOvr>
+  <p:timing>
+    <p:tnLst>
+      <p:par>
+        <p:cTn id="1" dur="indefinite" restart="never" nodeType="tmRoot">
+          <p:childTnLst>
+            <p:seq concurrent="1" nextAc="seek">
+              <p:cTn id="2" dur="indefinite" nodeType="mainSeq">
+                <p:childTnLst>
+                  <p:par>
+                    <p:cTn id="3" fill="hold">
+                      <p:stCondLst>
+                        <p:cond delay="indefinite"/>
+                      </p:stCondLst>
+                      <p:childTnLst>
+                        <p:par>
+                          <p:cTn id="4" fill="hold">
+                            <p:stCondLst>
+                              <p:cond delay="0"/>
+                            </p:stCondLst>
+                            <p:childTnLst>
+                              <p:par>
+                                <p:cTn id="5" presetID="1" presetClass="entr" presetSubtype="0" fill="hold" grpId="0" nodeType="clickEffect">
+                                  <p:stCondLst>
+                                    <p:cond delay="0"/>
+                                  </p:stCondLst>
+                                  <p:childTnLst>
+                                    <p:set>
+                                      <p:cBhvr>
+                                        <p:cTn id="6" dur="1" fill="hold">
+                                          <p:stCondLst>
+                                            <p:cond delay="0"/>
+                                          </p:stCondLst>
+                                        </p:cTn>
+                                        <p:tgtEl>
+                                          <p:spTgt spid="4">
+                                            <p:txEl>
+                                              <p:pRg st="0" end="0"/>
+                                            </p:txEl>
+                                          </p:spTgt>
+                                        </p:tgtEl>
+                                        <p:attrNameLst>
+                                          <p:attrName>style.visibility</p:attrName>
+                                        </p:attrNameLst>
+                                      </p:cBhvr>
+                                      <p:to>
+                                        <p:strVal val="visible"/>
+                                      </p:to>
+                                    </p:set>
+                                  </p:childTnLst>
+                                </p:cTn>
+                              </p:par>
+                              <p:par>
+                                <p:cTn id="7" presetID="1" presetClass="entr" presetSubtype="0" fill="hold" grpId="0" nodeType="withEffect">
+                                  <p:stCondLst>
+                                    <p:cond delay="0"/>
+                                  </p:stCondLst>
+                                  <p:childTnLst>
+                                    <p:set>
+                                      <p:cBhvr>
+                                        <p:cTn id="8" dur="1" fill="hold">
+                                          <p:stCondLst>
+                                            <p:cond delay="0"/>
+                                          </p:stCondLst>
+                                        </p:cTn>
+                                        <p:tgtEl>
+                                          <p:spTgt spid="4">
+                                            <p:txEl>
+                                              <p:pRg st="1" end="1"/>
+                                            </p:txEl>
+                                          </p:spTgt>
+                                        </p:tgtEl>
+                                        <p:attrNameLst>
+                                          <p:attrName>style.visibility</p:attrName>
+                                        </p:attrNameLst>
+                                      </p:cBhvr>
+                                      <p:to>
+                                        <p:strVal val="visible"/>
+                                      </p:to>
+                                    </p:set>
+                                  </p:childTnLst>
+                                </p:cTn>
+                              </p:par>
+                            </p:childTnLst>
+                          </p:cTn>
+                        </p:par>
+                      </p:childTnLst>
+                    </p:cTn>
+                  </p:par>
+                  <p:par>
+                    <p:cTn id="9" fill="hold">
+                      <p:stCondLst>
+                        <p:cond delay="indefinite"/>
+                      </p:stCondLst>
+                      <p:childTnLst>
+                        <p:par>
+                          <p:cTn id="10" fill="hold">
+                            <p:stCondLst>
+                              <p:cond delay="0"/>
+                            </p:stCondLst>
+                            <p:childTnLst>
+                              <p:par>
+                                <p:cTn id="11" presetID="1" presetClass="entr" presetSubtype="0" fill="hold" grpId="0" nodeType="clickEffect">
+                                  <p:stCondLst>
+                                    <p:cond delay="0"/>
+                                  </p:stCondLst>
+                                  <p:childTnLst>
+                                    <p:set>
+                                      <p:cBhvr>
+                                        <p:cTn id="12" dur="1" fill="hold">
+                                          <p:stCondLst>
+                                            <p:cond delay="0"/>
+                                          </p:stCondLst>
+                                        </p:cTn>
+                                        <p:tgtEl>
+                                          <p:spTgt spid="4">
+                                            <p:txEl>
+                                              <p:pRg st="2" end="2"/>
+                                            </p:txEl>
+                                          </p:spTgt>
+                                        </p:tgtEl>
+                                        <p:attrNameLst>
+                                          <p:attrName>style.visibility</p:attrName>
+                                        </p:attrNameLst>
+                                      </p:cBhvr>
+                                      <p:to>
+                                        <p:strVal val="visible"/>
+                                      </p:to>
+                                    </p:set>
+                                  </p:childTnLst>
+                                </p:cTn>
+                              </p:par>
+                              <p:par>
+                                <p:cTn id="13" presetID="1" presetClass="entr" presetSubtype="0" fill="hold" nodeType="withEffect">
+                                  <p:stCondLst>
+                                    <p:cond delay="0"/>
+                                  </p:stCondLst>
+                                  <p:childTnLst>
+                                    <p:set>
+                                      <p:cBhvr>
+                                        <p:cTn id="14" dur="1" fill="hold">
+                                          <p:stCondLst>
+                                            <p:cond delay="0"/>
+                                          </p:stCondLst>
+                                        </p:cTn>
+                                        <p:tgtEl>
+                                          <p:spTgt spid="4">
+                                            <p:txEl>
+                                              <p:pRg st="3" end="3"/>
+                                            </p:txEl>
+                                          </p:spTgt>
+                                        </p:tgtEl>
+                                        <p:attrNameLst>
+                                          <p:attrName>style.visibility</p:attrName>
+                                        </p:attrNameLst>
+                                      </p:cBhvr>
+                                      <p:to>
+                                        <p:strVal val="visible"/>
+                                      </p:to>
+                                    </p:set>
+                                  </p:childTnLst>
+                                </p:cTn>
+                              </p:par>
+                            </p:childTnLst>
+                          </p:cTn>
+                        </p:par>
+                      </p:childTnLst>
+                    </p:cTn>
+                  </p:par>
+                </p:childTnLst>
+              </p:cTn>
+              <p:prevCondLst>
+                <p:cond evt="onPrev" delay="0">
+                  <p:tgtEl>
+                    <p:sldTgt/>
+                  </p:tgtEl>
+                </p:cond>
+              </p:prevCondLst>
+              <p:nextCondLst>
+                <p:cond evt="onNext" delay="0">
+                  <p:tgtEl>
+                    <p:sldTgt/>
+                  </p:tgtEl>
+                </p:cond>
+              </p:nextCondLst>
+            </p:seq>
+          </p:childTnLst>
+        </p:cTn>
+      </p:par>
+    </p:tnLst>
+    <p:bldLst>
+      <p:bldP spid="4" grpId="0" uiExpand="1" build="p"/>
+    </p:bldLst>
+  </p:timing>
+</p:sld>
+</file>
+
+<file path=ppt/slides/slide12.xml><?xml version="1.0" encoding="utf-8"?>
+<p:sld xmlns:a="http://schemas.openxmlformats.org/drawingml/2006/main" xmlns:r="http://schemas.openxmlformats.org/officeDocument/2006/relationships" xmlns:p="http://schemas.openxmlformats.org/presentationml/2006/main">
+  <p:cSld>
+    <p:spTree>
+      <p:nvGrpSpPr>
+        <p:cNvPr id="1" name=""/>
+        <p:cNvGrpSpPr/>
+        <p:nvPr/>
+      </p:nvGrpSpPr>
+      <p:grpSpPr>
+        <a:xfrm>
+          <a:off x="0" y="0"/>
+          <a:ext cx="0" cy="0"/>
+          <a:chOff x="0" y="0"/>
+          <a:chExt cx="0" cy="0"/>
+        </a:xfrm>
+      </p:grpSpPr>
+      <p:sp>
+        <p:nvSpPr>
+          <p:cNvPr id="2" name="Title 1"/>
+          <p:cNvSpPr>
+            <a:spLocks noGrp="1"/>
+          </p:cNvSpPr>
+          <p:nvPr>
+            <p:ph type="title"/>
+          </p:nvPr>
+        </p:nvSpPr>
         <p:spPr/>
         <p:txBody>
           <a:bodyPr>
@@ -3997,7 +4715,7 @@
 </p:sld>
 </file>
 
-<file path=ppt/slides/slide11.xml><?xml version="1.0" encoding="utf-8"?>
+<file path=ppt/slides/slide13.xml><?xml version="1.0" encoding="utf-8"?>
 <p:sld xmlns:a="http://schemas.openxmlformats.org/drawingml/2006/main" xmlns:r="http://schemas.openxmlformats.org/officeDocument/2006/relationships" xmlns:p="http://schemas.openxmlformats.org/presentationml/2006/main">
   <p:cSld>
     <p:spTree>
@@ -4544,7 +5262,7 @@
 </p:sld>
 </file>
 
-<file path=ppt/slides/slide12.xml><?xml version="1.0" encoding="utf-8"?>
+<file path=ppt/slides/slide14.xml><?xml version="1.0" encoding="utf-8"?>
 <p:sld xmlns:a="http://schemas.openxmlformats.org/drawingml/2006/main" xmlns:r="http://schemas.openxmlformats.org/officeDocument/2006/relationships" xmlns:p="http://schemas.openxmlformats.org/presentationml/2006/main">
   <p:cSld>
     <p:spTree>
@@ -5328,7 +6046,7 @@
 </p:sld>
 </file>
 
-<file path=ppt/slides/slide13.xml><?xml version="1.0" encoding="utf-8"?>
+<file path=ppt/slides/slide15.xml><?xml version="1.0" encoding="utf-8"?>
 <p:sld xmlns:a="http://schemas.openxmlformats.org/drawingml/2006/main" xmlns:r="http://schemas.openxmlformats.org/officeDocument/2006/relationships" xmlns:p="http://schemas.openxmlformats.org/presentationml/2006/main">
   <p:cSld>
     <p:spTree>
@@ -6151,7 +6869,7 @@
 </p:sld>
 </file>
 
-<file path=ppt/slides/slide14.xml><?xml version="1.0" encoding="utf-8"?>
+<file path=ppt/slides/slide16.xml><?xml version="1.0" encoding="utf-8"?>
 <p:sld xmlns:a="http://schemas.openxmlformats.org/drawingml/2006/main" xmlns:r="http://schemas.openxmlformats.org/officeDocument/2006/relationships" xmlns:p="http://schemas.openxmlformats.org/presentationml/2006/main">
   <p:cSld>
     <p:spTree>
@@ -6204,509 +6922,7 @@
 </p:sld>
 </file>
 
-<file path=ppt/slides/slide15.xml><?xml version="1.0" encoding="utf-8"?>
-<p:sld xmlns:a="http://schemas.openxmlformats.org/drawingml/2006/main" xmlns:r="http://schemas.openxmlformats.org/officeDocument/2006/relationships" xmlns:p="http://schemas.openxmlformats.org/presentationml/2006/main">
-  <p:cSld>
-    <p:spTree>
-      <p:nvGrpSpPr>
-        <p:cNvPr id="1" name=""/>
-        <p:cNvGrpSpPr/>
-        <p:nvPr/>
-      </p:nvGrpSpPr>
-      <p:grpSpPr>
-        <a:xfrm>
-          <a:off x="0" y="0"/>
-          <a:ext cx="0" cy="0"/>
-          <a:chOff x="0" y="0"/>
-          <a:chExt cx="0" cy="0"/>
-        </a:xfrm>
-      </p:grpSpPr>
-      <p:sp>
-        <p:nvSpPr>
-          <p:cNvPr id="5" name="Title 4"/>
-          <p:cNvSpPr>
-            <a:spLocks noGrp="1"/>
-          </p:cNvSpPr>
-          <p:nvPr>
-            <p:ph type="title"/>
-          </p:nvPr>
-        </p:nvSpPr>
-        <p:spPr/>
-        <p:txBody>
-          <a:bodyPr>
-            <a:normAutofit fontScale="90000"/>
-          </a:bodyPr>
-          <a:lstStyle/>
-          <a:p>
-            <a:r>
-              <a:rPr lang="en-CA" dirty="0" smtClean="0"/>
-              <a:t>But I don’t like those square brackets and quotes it added to the rows!</a:t>
-            </a:r>
-            <a:endParaRPr lang="en-US" dirty="0"/>
-          </a:p>
-        </p:txBody>
-      </p:sp>
-      <p:sp>
-        <p:nvSpPr>
-          <p:cNvPr id="6" name="Content Placeholder 5"/>
-          <p:cNvSpPr>
-            <a:spLocks noGrp="1"/>
-          </p:cNvSpPr>
-          <p:nvPr>
-            <p:ph sz="quarter" idx="10"/>
-          </p:nvPr>
-        </p:nvSpPr>
-        <p:spPr/>
-        <p:txBody>
-          <a:bodyPr/>
-          <a:lstStyle/>
-          <a:p>
-            <a:r>
-              <a:rPr lang="en-CA" dirty="0" smtClean="0"/>
-              <a:t>You can use the join function to format the output </a:t>
-            </a:r>
-          </a:p>
-          <a:p>
-            <a:pPr lvl="1"/>
-            <a:r>
-              <a:rPr lang="en-CA" dirty="0" err="1" smtClean="0"/>
-              <a:t>SeparatorToDisplay.join</a:t>
-            </a:r>
-            <a:r>
-              <a:rPr lang="en-CA" dirty="0" smtClean="0"/>
-              <a:t>(</a:t>
-            </a:r>
-            <a:r>
-              <a:rPr lang="en-CA" dirty="0" err="1" smtClean="0"/>
-              <a:t>myList</a:t>
-            </a:r>
-            <a:r>
-              <a:rPr lang="en-CA" dirty="0" smtClean="0"/>
-              <a:t>)</a:t>
-            </a:r>
-          </a:p>
-          <a:p>
-            <a:pPr marL="0" lvl="0" indent="0">
-              <a:buNone/>
-            </a:pPr>
-            <a:r>
-              <a:rPr lang="en-US" altLang="en-US" dirty="0">
-                <a:solidFill>
-                  <a:srgbClr val="0000FF"/>
-                </a:solidFill>
-                <a:latin typeface="Consolas" panose="020B0609020204030204" pitchFamily="49" charset="0"/>
-                <a:cs typeface="Consolas" panose="020B0609020204030204" pitchFamily="49" charset="0"/>
-              </a:rPr>
-              <a:t>for</a:t>
-            </a:r>
-            <a:r>
-              <a:rPr lang="en-US" altLang="en-US" dirty="0">
-                <a:solidFill>
-                  <a:srgbClr val="000000"/>
-                </a:solidFill>
-                <a:latin typeface="Consolas" panose="020B0609020204030204" pitchFamily="49" charset="0"/>
-                <a:cs typeface="Consolas" panose="020B0609020204030204" pitchFamily="49" charset="0"/>
-              </a:rPr>
-              <a:t> row </a:t>
-            </a:r>
-            <a:r>
-              <a:rPr lang="en-US" altLang="en-US" dirty="0">
-                <a:solidFill>
-                  <a:srgbClr val="0000FF"/>
-                </a:solidFill>
-                <a:latin typeface="Consolas" panose="020B0609020204030204" pitchFamily="49" charset="0"/>
-                <a:cs typeface="Consolas" panose="020B0609020204030204" pitchFamily="49" charset="0"/>
-              </a:rPr>
-              <a:t>in</a:t>
-            </a:r>
-            <a:r>
-              <a:rPr lang="en-US" altLang="en-US" dirty="0">
-                <a:solidFill>
-                  <a:srgbClr val="000000"/>
-                </a:solidFill>
-                <a:latin typeface="Consolas" panose="020B0609020204030204" pitchFamily="49" charset="0"/>
-                <a:cs typeface="Consolas" panose="020B0609020204030204" pitchFamily="49" charset="0"/>
-              </a:rPr>
-              <a:t> </a:t>
-            </a:r>
-            <a:r>
-              <a:rPr lang="en-US" altLang="en-US" dirty="0" err="1">
-                <a:solidFill>
-                  <a:srgbClr val="000000"/>
-                </a:solidFill>
-                <a:latin typeface="Consolas" panose="020B0609020204030204" pitchFamily="49" charset="0"/>
-                <a:cs typeface="Consolas" panose="020B0609020204030204" pitchFamily="49" charset="0"/>
-              </a:rPr>
-              <a:t>dataFromFile</a:t>
-            </a:r>
-            <a:r>
-              <a:rPr lang="en-US" altLang="en-US" dirty="0">
-                <a:solidFill>
-                  <a:srgbClr val="000000"/>
-                </a:solidFill>
-                <a:latin typeface="Consolas" panose="020B0609020204030204" pitchFamily="49" charset="0"/>
-                <a:cs typeface="Consolas" panose="020B0609020204030204" pitchFamily="49" charset="0"/>
-              </a:rPr>
-              <a:t> </a:t>
-            </a:r>
-            <a:r>
-              <a:rPr lang="en-US" altLang="en-US" dirty="0" smtClean="0">
-                <a:solidFill>
-                  <a:srgbClr val="000000"/>
-                </a:solidFill>
-                <a:latin typeface="Consolas" panose="020B0609020204030204" pitchFamily="49" charset="0"/>
-                <a:cs typeface="Consolas" panose="020B0609020204030204" pitchFamily="49" charset="0"/>
-              </a:rPr>
-              <a:t>:</a:t>
-            </a:r>
-          </a:p>
-          <a:p>
-            <a:pPr marL="0" lvl="0" indent="0">
-              <a:buNone/>
-            </a:pPr>
-            <a:r>
-              <a:rPr lang="en-US" altLang="en-US" dirty="0">
-                <a:solidFill>
-                  <a:srgbClr val="008000"/>
-                </a:solidFill>
-                <a:latin typeface="Consolas" panose="020B0609020204030204" pitchFamily="49" charset="0"/>
-                <a:cs typeface="Consolas" panose="020B0609020204030204" pitchFamily="49" charset="0"/>
-              </a:rPr>
-              <a:t> </a:t>
-            </a:r>
-            <a:r>
-              <a:rPr lang="en-US" altLang="en-US" dirty="0">
-                <a:solidFill>
-                  <a:srgbClr val="000000"/>
-                </a:solidFill>
-                <a:latin typeface="Consolas" panose="020B0609020204030204" pitchFamily="49" charset="0"/>
-                <a:cs typeface="Consolas" panose="020B0609020204030204" pitchFamily="49" charset="0"/>
-              </a:rPr>
-              <a:t>         print (</a:t>
-            </a:r>
-            <a:r>
-              <a:rPr lang="en-US" altLang="en-US" dirty="0">
-                <a:solidFill>
-                  <a:srgbClr val="A31515"/>
-                </a:solidFill>
-                <a:latin typeface="Consolas" panose="020B0609020204030204" pitchFamily="49" charset="0"/>
-                <a:cs typeface="Consolas" panose="020B0609020204030204" pitchFamily="49" charset="0"/>
-              </a:rPr>
-              <a:t>', '</a:t>
-            </a:r>
-            <a:r>
-              <a:rPr lang="en-US" altLang="en-US" dirty="0">
-                <a:solidFill>
-                  <a:srgbClr val="000000"/>
-                </a:solidFill>
-                <a:latin typeface="Consolas" panose="020B0609020204030204" pitchFamily="49" charset="0"/>
-                <a:cs typeface="Consolas" panose="020B0609020204030204" pitchFamily="49" charset="0"/>
-              </a:rPr>
-              <a:t>.join(row))</a:t>
-            </a:r>
-            <a:endParaRPr lang="en-US" altLang="en-US" sz="6600" dirty="0">
-              <a:latin typeface="Arial" panose="020B0604020202020204" pitchFamily="34" charset="0"/>
-            </a:endParaRPr>
-          </a:p>
-          <a:p>
-            <a:endParaRPr lang="en-CA" dirty="0" smtClean="0"/>
-          </a:p>
-          <a:p>
-            <a:endParaRPr lang="en-US" dirty="0"/>
-          </a:p>
-        </p:txBody>
-      </p:sp>
-      <p:pic>
-        <p:nvPicPr>
-          <p:cNvPr id="9" name="Picture 8"/>
-          <p:cNvPicPr>
-            <a:picLocks noChangeAspect="1"/>
-          </p:cNvPicPr>
-          <p:nvPr/>
-        </p:nvPicPr>
-        <p:blipFill>
-          <a:blip r:embed="rId2"/>
-          <a:stretch>
-            <a:fillRect/>
-          </a:stretch>
-        </p:blipFill>
-        <p:spPr>
-          <a:xfrm>
-            <a:off x="5871062" y="3940758"/>
-            <a:ext cx="6546754" cy="3139979"/>
-          </a:xfrm>
-          <a:prstGeom prst="rect">
-            <a:avLst/>
-          </a:prstGeom>
-        </p:spPr>
-      </p:pic>
-    </p:spTree>
-    <p:extLst>
-      <p:ext uri="{BB962C8B-B14F-4D97-AF65-F5344CB8AC3E}">
-        <p14:creationId xmlns:p14="http://schemas.microsoft.com/office/powerpoint/2010/main" val="1302654390"/>
-      </p:ext>
-    </p:extLst>
-  </p:cSld>
-  <p:clrMapOvr>
-    <a:masterClrMapping/>
-  </p:clrMapOvr>
-  <p:timing>
-    <p:tnLst>
-      <p:par>
-        <p:cTn id="1" dur="indefinite" restart="never" nodeType="tmRoot">
-          <p:childTnLst>
-            <p:seq concurrent="1" nextAc="seek">
-              <p:cTn id="2" dur="indefinite" nodeType="mainSeq">
-                <p:childTnLst>
-                  <p:par>
-                    <p:cTn id="3" fill="hold">
-                      <p:stCondLst>
-                        <p:cond delay="indefinite"/>
-                      </p:stCondLst>
-                      <p:childTnLst>
-                        <p:par>
-                          <p:cTn id="4" fill="hold">
-                            <p:stCondLst>
-                              <p:cond delay="0"/>
-                            </p:stCondLst>
-                            <p:childTnLst>
-                              <p:par>
-                                <p:cTn id="5" presetID="1" presetClass="entr" presetSubtype="0" fill="hold" nodeType="clickEffect">
-                                  <p:stCondLst>
-                                    <p:cond delay="0"/>
-                                  </p:stCondLst>
-                                  <p:childTnLst>
-                                    <p:set>
-                                      <p:cBhvr>
-                                        <p:cTn id="6" dur="1" fill="hold">
-                                          <p:stCondLst>
-                                            <p:cond delay="0"/>
-                                          </p:stCondLst>
-                                        </p:cTn>
-                                        <p:tgtEl>
-                                          <p:spTgt spid="6">
-                                            <p:txEl>
-                                              <p:pRg st="0" end="0"/>
-                                            </p:txEl>
-                                          </p:spTgt>
-                                        </p:tgtEl>
-                                        <p:attrNameLst>
-                                          <p:attrName>style.visibility</p:attrName>
-                                        </p:attrNameLst>
-                                      </p:cBhvr>
-                                      <p:to>
-                                        <p:strVal val="visible"/>
-                                      </p:to>
-                                    </p:set>
-                                  </p:childTnLst>
-                                </p:cTn>
-                              </p:par>
-                            </p:childTnLst>
-                          </p:cTn>
-                        </p:par>
-                      </p:childTnLst>
-                    </p:cTn>
-                  </p:par>
-                  <p:par>
-                    <p:cTn id="7" fill="hold">
-                      <p:stCondLst>
-                        <p:cond delay="indefinite"/>
-                      </p:stCondLst>
-                      <p:childTnLst>
-                        <p:par>
-                          <p:cTn id="8" fill="hold">
-                            <p:stCondLst>
-                              <p:cond delay="0"/>
-                            </p:stCondLst>
-                            <p:childTnLst>
-                              <p:par>
-                                <p:cTn id="9" presetID="1" presetClass="entr" presetSubtype="0" fill="hold" nodeType="clickEffect">
-                                  <p:stCondLst>
-                                    <p:cond delay="0"/>
-                                  </p:stCondLst>
-                                  <p:childTnLst>
-                                    <p:set>
-                                      <p:cBhvr>
-                                        <p:cTn id="10" dur="1" fill="hold">
-                                          <p:stCondLst>
-                                            <p:cond delay="0"/>
-                                          </p:stCondLst>
-                                        </p:cTn>
-                                        <p:tgtEl>
-                                          <p:spTgt spid="6">
-                                            <p:txEl>
-                                              <p:pRg st="1" end="1"/>
-                                            </p:txEl>
-                                          </p:spTgt>
-                                        </p:tgtEl>
-                                        <p:attrNameLst>
-                                          <p:attrName>style.visibility</p:attrName>
-                                        </p:attrNameLst>
-                                      </p:cBhvr>
-                                      <p:to>
-                                        <p:strVal val="visible"/>
-                                      </p:to>
-                                    </p:set>
-                                  </p:childTnLst>
-                                </p:cTn>
-                              </p:par>
-                            </p:childTnLst>
-                          </p:cTn>
-                        </p:par>
-                      </p:childTnLst>
-                    </p:cTn>
-                  </p:par>
-                  <p:par>
-                    <p:cTn id="11" fill="hold">
-                      <p:stCondLst>
-                        <p:cond delay="indefinite"/>
-                      </p:stCondLst>
-                      <p:childTnLst>
-                        <p:par>
-                          <p:cTn id="12" fill="hold">
-                            <p:stCondLst>
-                              <p:cond delay="0"/>
-                            </p:stCondLst>
-                            <p:childTnLst>
-                              <p:par>
-                                <p:cTn id="13" presetID="1" presetClass="entr" presetSubtype="0" fill="hold" nodeType="clickEffect">
-                                  <p:stCondLst>
-                                    <p:cond delay="0"/>
-                                  </p:stCondLst>
-                                  <p:childTnLst>
-                                    <p:set>
-                                      <p:cBhvr>
-                                        <p:cTn id="14" dur="1" fill="hold">
-                                          <p:stCondLst>
-                                            <p:cond delay="0"/>
-                                          </p:stCondLst>
-                                        </p:cTn>
-                                        <p:tgtEl>
-                                          <p:spTgt spid="6">
-                                            <p:txEl>
-                                              <p:pRg st="2" end="2"/>
-                                            </p:txEl>
-                                          </p:spTgt>
-                                        </p:tgtEl>
-                                        <p:attrNameLst>
-                                          <p:attrName>style.visibility</p:attrName>
-                                        </p:attrNameLst>
-                                      </p:cBhvr>
-                                      <p:to>
-                                        <p:strVal val="visible"/>
-                                      </p:to>
-                                    </p:set>
-                                  </p:childTnLst>
-                                </p:cTn>
-                              </p:par>
-                              <p:par>
-                                <p:cTn id="15" presetID="1" presetClass="entr" presetSubtype="0" fill="hold" nodeType="withEffect">
-                                  <p:stCondLst>
-                                    <p:cond delay="0"/>
-                                  </p:stCondLst>
-                                  <p:childTnLst>
-                                    <p:set>
-                                      <p:cBhvr>
-                                        <p:cTn id="16" dur="1" fill="hold">
-                                          <p:stCondLst>
-                                            <p:cond delay="0"/>
-                                          </p:stCondLst>
-                                        </p:cTn>
-                                        <p:tgtEl>
-                                          <p:spTgt spid="6">
-                                            <p:txEl>
-                                              <p:pRg st="3" end="3"/>
-                                            </p:txEl>
-                                          </p:spTgt>
-                                        </p:tgtEl>
-                                        <p:attrNameLst>
-                                          <p:attrName>style.visibility</p:attrName>
-                                        </p:attrNameLst>
-                                      </p:cBhvr>
-                                      <p:to>
-                                        <p:strVal val="visible"/>
-                                      </p:to>
-                                    </p:set>
-                                  </p:childTnLst>
-                                </p:cTn>
-                              </p:par>
-                            </p:childTnLst>
-                          </p:cTn>
-                        </p:par>
-                      </p:childTnLst>
-                    </p:cTn>
-                  </p:par>
-                  <p:par>
-                    <p:cTn id="17" fill="hold">
-                      <p:stCondLst>
-                        <p:cond delay="indefinite"/>
-                      </p:stCondLst>
-                      <p:childTnLst>
-                        <p:par>
-                          <p:cTn id="18" fill="hold">
-                            <p:stCondLst>
-                              <p:cond delay="0"/>
-                            </p:stCondLst>
-                            <p:childTnLst>
-                              <p:par>
-                                <p:cTn id="19" presetID="1" presetClass="entr" presetSubtype="0" fill="hold" nodeType="clickEffect">
-                                  <p:stCondLst>
-                                    <p:cond delay="0"/>
-                                  </p:stCondLst>
-                                  <p:childTnLst>
-                                    <p:set>
-                                      <p:cBhvr>
-                                        <p:cTn id="20" dur="1" fill="hold">
-                                          <p:stCondLst>
-                                            <p:cond delay="0"/>
-                                          </p:stCondLst>
-                                        </p:cTn>
-                                        <p:tgtEl>
-                                          <p:spTgt spid="9"/>
-                                        </p:tgtEl>
-                                        <p:attrNameLst>
-                                          <p:attrName>style.visibility</p:attrName>
-                                        </p:attrNameLst>
-                                      </p:cBhvr>
-                                      <p:to>
-                                        <p:strVal val="visible"/>
-                                      </p:to>
-                                    </p:set>
-                                  </p:childTnLst>
-                                </p:cTn>
-                              </p:par>
-                            </p:childTnLst>
-                          </p:cTn>
-                        </p:par>
-                      </p:childTnLst>
-                    </p:cTn>
-                  </p:par>
-                </p:childTnLst>
-              </p:cTn>
-              <p:prevCondLst>
-                <p:cond evt="onPrev" delay="0">
-                  <p:tgtEl>
-                    <p:sldTgt/>
-                  </p:tgtEl>
-                </p:cond>
-              </p:prevCondLst>
-              <p:nextCondLst>
-                <p:cond evt="onNext" delay="0">
-                  <p:tgtEl>
-                    <p:sldTgt/>
-                  </p:tgtEl>
-                </p:cond>
-              </p:nextCondLst>
-            </p:seq>
-          </p:childTnLst>
-        </p:cTn>
-      </p:par>
-    </p:tnLst>
-  </p:timing>
-</p:sld>
-</file>
-
-<file path=ppt/slides/slide16.xml><?xml version="1.0" encoding="utf-8"?>
+<file path=ppt/slides/slide17.xml><?xml version="1.0" encoding="utf-8"?>
 <p:sld xmlns:a="http://schemas.openxmlformats.org/drawingml/2006/main" xmlns:r="http://schemas.openxmlformats.org/officeDocument/2006/relationships" xmlns:p="http://schemas.openxmlformats.org/presentationml/2006/main">
   <p:cSld>
     <p:spTree>
@@ -7378,7 +7594,509 @@
 </p:sld>
 </file>
 
-<file path=ppt/slides/slide17.xml><?xml version="1.0" encoding="utf-8"?>
+<file path=ppt/slides/slide18.xml><?xml version="1.0" encoding="utf-8"?>
+<p:sld xmlns:a="http://schemas.openxmlformats.org/drawingml/2006/main" xmlns:r="http://schemas.openxmlformats.org/officeDocument/2006/relationships" xmlns:p="http://schemas.openxmlformats.org/presentationml/2006/main">
+  <p:cSld>
+    <p:spTree>
+      <p:nvGrpSpPr>
+        <p:cNvPr id="1" name=""/>
+        <p:cNvGrpSpPr/>
+        <p:nvPr/>
+      </p:nvGrpSpPr>
+      <p:grpSpPr>
+        <a:xfrm>
+          <a:off x="0" y="0"/>
+          <a:ext cx="0" cy="0"/>
+          <a:chOff x="0" y="0"/>
+          <a:chExt cx="0" cy="0"/>
+        </a:xfrm>
+      </p:grpSpPr>
+      <p:sp>
+        <p:nvSpPr>
+          <p:cNvPr id="5" name="Title 4"/>
+          <p:cNvSpPr>
+            <a:spLocks noGrp="1"/>
+          </p:cNvSpPr>
+          <p:nvPr>
+            <p:ph type="title"/>
+          </p:nvPr>
+        </p:nvSpPr>
+        <p:spPr/>
+        <p:txBody>
+          <a:bodyPr>
+            <a:normAutofit fontScale="90000"/>
+          </a:bodyPr>
+          <a:lstStyle/>
+          <a:p>
+            <a:r>
+              <a:rPr lang="en-CA" dirty="0" smtClean="0"/>
+              <a:t>But I don’t like those square brackets and quotes it added to the rows!</a:t>
+            </a:r>
+            <a:endParaRPr lang="en-US" dirty="0"/>
+          </a:p>
+        </p:txBody>
+      </p:sp>
+      <p:sp>
+        <p:nvSpPr>
+          <p:cNvPr id="6" name="Content Placeholder 5"/>
+          <p:cNvSpPr>
+            <a:spLocks noGrp="1"/>
+          </p:cNvSpPr>
+          <p:nvPr>
+            <p:ph sz="quarter" idx="10"/>
+          </p:nvPr>
+        </p:nvSpPr>
+        <p:spPr/>
+        <p:txBody>
+          <a:bodyPr/>
+          <a:lstStyle/>
+          <a:p>
+            <a:r>
+              <a:rPr lang="en-CA" dirty="0" smtClean="0"/>
+              <a:t>You can use the join function to format the output </a:t>
+            </a:r>
+          </a:p>
+          <a:p>
+            <a:pPr lvl="1"/>
+            <a:r>
+              <a:rPr lang="en-CA" dirty="0" err="1" smtClean="0"/>
+              <a:t>SeparatorToDisplay.join</a:t>
+            </a:r>
+            <a:r>
+              <a:rPr lang="en-CA" dirty="0" smtClean="0"/>
+              <a:t>(</a:t>
+            </a:r>
+            <a:r>
+              <a:rPr lang="en-CA" dirty="0" err="1" smtClean="0"/>
+              <a:t>myList</a:t>
+            </a:r>
+            <a:r>
+              <a:rPr lang="en-CA" dirty="0" smtClean="0"/>
+              <a:t>)</a:t>
+            </a:r>
+          </a:p>
+          <a:p>
+            <a:pPr marL="0" lvl="0" indent="0">
+              <a:buNone/>
+            </a:pPr>
+            <a:r>
+              <a:rPr lang="en-US" altLang="en-US" dirty="0">
+                <a:solidFill>
+                  <a:srgbClr val="0000FF"/>
+                </a:solidFill>
+                <a:latin typeface="Consolas" panose="020B0609020204030204" pitchFamily="49" charset="0"/>
+                <a:cs typeface="Consolas" panose="020B0609020204030204" pitchFamily="49" charset="0"/>
+              </a:rPr>
+              <a:t>for</a:t>
+            </a:r>
+            <a:r>
+              <a:rPr lang="en-US" altLang="en-US" dirty="0">
+                <a:solidFill>
+                  <a:srgbClr val="000000"/>
+                </a:solidFill>
+                <a:latin typeface="Consolas" panose="020B0609020204030204" pitchFamily="49" charset="0"/>
+                <a:cs typeface="Consolas" panose="020B0609020204030204" pitchFamily="49" charset="0"/>
+              </a:rPr>
+              <a:t> row </a:t>
+            </a:r>
+            <a:r>
+              <a:rPr lang="en-US" altLang="en-US" dirty="0">
+                <a:solidFill>
+                  <a:srgbClr val="0000FF"/>
+                </a:solidFill>
+                <a:latin typeface="Consolas" panose="020B0609020204030204" pitchFamily="49" charset="0"/>
+                <a:cs typeface="Consolas" panose="020B0609020204030204" pitchFamily="49" charset="0"/>
+              </a:rPr>
+              <a:t>in</a:t>
+            </a:r>
+            <a:r>
+              <a:rPr lang="en-US" altLang="en-US" dirty="0">
+                <a:solidFill>
+                  <a:srgbClr val="000000"/>
+                </a:solidFill>
+                <a:latin typeface="Consolas" panose="020B0609020204030204" pitchFamily="49" charset="0"/>
+                <a:cs typeface="Consolas" panose="020B0609020204030204" pitchFamily="49" charset="0"/>
+              </a:rPr>
+              <a:t> </a:t>
+            </a:r>
+            <a:r>
+              <a:rPr lang="en-US" altLang="en-US" dirty="0" err="1">
+                <a:solidFill>
+                  <a:srgbClr val="000000"/>
+                </a:solidFill>
+                <a:latin typeface="Consolas" panose="020B0609020204030204" pitchFamily="49" charset="0"/>
+                <a:cs typeface="Consolas" panose="020B0609020204030204" pitchFamily="49" charset="0"/>
+              </a:rPr>
+              <a:t>dataFromFile</a:t>
+            </a:r>
+            <a:r>
+              <a:rPr lang="en-US" altLang="en-US" dirty="0">
+                <a:solidFill>
+                  <a:srgbClr val="000000"/>
+                </a:solidFill>
+                <a:latin typeface="Consolas" panose="020B0609020204030204" pitchFamily="49" charset="0"/>
+                <a:cs typeface="Consolas" panose="020B0609020204030204" pitchFamily="49" charset="0"/>
+              </a:rPr>
+              <a:t> </a:t>
+            </a:r>
+            <a:r>
+              <a:rPr lang="en-US" altLang="en-US" dirty="0" smtClean="0">
+                <a:solidFill>
+                  <a:srgbClr val="000000"/>
+                </a:solidFill>
+                <a:latin typeface="Consolas" panose="020B0609020204030204" pitchFamily="49" charset="0"/>
+                <a:cs typeface="Consolas" panose="020B0609020204030204" pitchFamily="49" charset="0"/>
+              </a:rPr>
+              <a:t>:</a:t>
+            </a:r>
+          </a:p>
+          <a:p>
+            <a:pPr marL="0" lvl="0" indent="0">
+              <a:buNone/>
+            </a:pPr>
+            <a:r>
+              <a:rPr lang="en-US" altLang="en-US" dirty="0">
+                <a:solidFill>
+                  <a:srgbClr val="008000"/>
+                </a:solidFill>
+                <a:latin typeface="Consolas" panose="020B0609020204030204" pitchFamily="49" charset="0"/>
+                <a:cs typeface="Consolas" panose="020B0609020204030204" pitchFamily="49" charset="0"/>
+              </a:rPr>
+              <a:t> </a:t>
+            </a:r>
+            <a:r>
+              <a:rPr lang="en-US" altLang="en-US" dirty="0">
+                <a:solidFill>
+                  <a:srgbClr val="000000"/>
+                </a:solidFill>
+                <a:latin typeface="Consolas" panose="020B0609020204030204" pitchFamily="49" charset="0"/>
+                <a:cs typeface="Consolas" panose="020B0609020204030204" pitchFamily="49" charset="0"/>
+              </a:rPr>
+              <a:t>         print (</a:t>
+            </a:r>
+            <a:r>
+              <a:rPr lang="en-US" altLang="en-US" dirty="0">
+                <a:solidFill>
+                  <a:srgbClr val="A31515"/>
+                </a:solidFill>
+                <a:latin typeface="Consolas" panose="020B0609020204030204" pitchFamily="49" charset="0"/>
+                <a:cs typeface="Consolas" panose="020B0609020204030204" pitchFamily="49" charset="0"/>
+              </a:rPr>
+              <a:t>', '</a:t>
+            </a:r>
+            <a:r>
+              <a:rPr lang="en-US" altLang="en-US" dirty="0">
+                <a:solidFill>
+                  <a:srgbClr val="000000"/>
+                </a:solidFill>
+                <a:latin typeface="Consolas" panose="020B0609020204030204" pitchFamily="49" charset="0"/>
+                <a:cs typeface="Consolas" panose="020B0609020204030204" pitchFamily="49" charset="0"/>
+              </a:rPr>
+              <a:t>.join(row))</a:t>
+            </a:r>
+            <a:endParaRPr lang="en-US" altLang="en-US" sz="6600" dirty="0">
+              <a:latin typeface="Arial" panose="020B0604020202020204" pitchFamily="34" charset="0"/>
+            </a:endParaRPr>
+          </a:p>
+          <a:p>
+            <a:endParaRPr lang="en-CA" dirty="0" smtClean="0"/>
+          </a:p>
+          <a:p>
+            <a:endParaRPr lang="en-US" dirty="0"/>
+          </a:p>
+        </p:txBody>
+      </p:sp>
+      <p:pic>
+        <p:nvPicPr>
+          <p:cNvPr id="9" name="Picture 8"/>
+          <p:cNvPicPr>
+            <a:picLocks noChangeAspect="1"/>
+          </p:cNvPicPr>
+          <p:nvPr/>
+        </p:nvPicPr>
+        <p:blipFill>
+          <a:blip r:embed="rId2"/>
+          <a:stretch>
+            <a:fillRect/>
+          </a:stretch>
+        </p:blipFill>
+        <p:spPr>
+          <a:xfrm>
+            <a:off x="5871062" y="3940758"/>
+            <a:ext cx="6546754" cy="3139979"/>
+          </a:xfrm>
+          <a:prstGeom prst="rect">
+            <a:avLst/>
+          </a:prstGeom>
+        </p:spPr>
+      </p:pic>
+    </p:spTree>
+    <p:extLst>
+      <p:ext uri="{BB962C8B-B14F-4D97-AF65-F5344CB8AC3E}">
+        <p14:creationId xmlns:p14="http://schemas.microsoft.com/office/powerpoint/2010/main" val="1302654390"/>
+      </p:ext>
+    </p:extLst>
+  </p:cSld>
+  <p:clrMapOvr>
+    <a:masterClrMapping/>
+  </p:clrMapOvr>
+  <p:timing>
+    <p:tnLst>
+      <p:par>
+        <p:cTn id="1" dur="indefinite" restart="never" nodeType="tmRoot">
+          <p:childTnLst>
+            <p:seq concurrent="1" nextAc="seek">
+              <p:cTn id="2" dur="indefinite" nodeType="mainSeq">
+                <p:childTnLst>
+                  <p:par>
+                    <p:cTn id="3" fill="hold">
+                      <p:stCondLst>
+                        <p:cond delay="indefinite"/>
+                      </p:stCondLst>
+                      <p:childTnLst>
+                        <p:par>
+                          <p:cTn id="4" fill="hold">
+                            <p:stCondLst>
+                              <p:cond delay="0"/>
+                            </p:stCondLst>
+                            <p:childTnLst>
+                              <p:par>
+                                <p:cTn id="5" presetID="1" presetClass="entr" presetSubtype="0" fill="hold" nodeType="clickEffect">
+                                  <p:stCondLst>
+                                    <p:cond delay="0"/>
+                                  </p:stCondLst>
+                                  <p:childTnLst>
+                                    <p:set>
+                                      <p:cBhvr>
+                                        <p:cTn id="6" dur="1" fill="hold">
+                                          <p:stCondLst>
+                                            <p:cond delay="0"/>
+                                          </p:stCondLst>
+                                        </p:cTn>
+                                        <p:tgtEl>
+                                          <p:spTgt spid="6">
+                                            <p:txEl>
+                                              <p:pRg st="0" end="0"/>
+                                            </p:txEl>
+                                          </p:spTgt>
+                                        </p:tgtEl>
+                                        <p:attrNameLst>
+                                          <p:attrName>style.visibility</p:attrName>
+                                        </p:attrNameLst>
+                                      </p:cBhvr>
+                                      <p:to>
+                                        <p:strVal val="visible"/>
+                                      </p:to>
+                                    </p:set>
+                                  </p:childTnLst>
+                                </p:cTn>
+                              </p:par>
+                            </p:childTnLst>
+                          </p:cTn>
+                        </p:par>
+                      </p:childTnLst>
+                    </p:cTn>
+                  </p:par>
+                  <p:par>
+                    <p:cTn id="7" fill="hold">
+                      <p:stCondLst>
+                        <p:cond delay="indefinite"/>
+                      </p:stCondLst>
+                      <p:childTnLst>
+                        <p:par>
+                          <p:cTn id="8" fill="hold">
+                            <p:stCondLst>
+                              <p:cond delay="0"/>
+                            </p:stCondLst>
+                            <p:childTnLst>
+                              <p:par>
+                                <p:cTn id="9" presetID="1" presetClass="entr" presetSubtype="0" fill="hold" nodeType="clickEffect">
+                                  <p:stCondLst>
+                                    <p:cond delay="0"/>
+                                  </p:stCondLst>
+                                  <p:childTnLst>
+                                    <p:set>
+                                      <p:cBhvr>
+                                        <p:cTn id="10" dur="1" fill="hold">
+                                          <p:stCondLst>
+                                            <p:cond delay="0"/>
+                                          </p:stCondLst>
+                                        </p:cTn>
+                                        <p:tgtEl>
+                                          <p:spTgt spid="6">
+                                            <p:txEl>
+                                              <p:pRg st="1" end="1"/>
+                                            </p:txEl>
+                                          </p:spTgt>
+                                        </p:tgtEl>
+                                        <p:attrNameLst>
+                                          <p:attrName>style.visibility</p:attrName>
+                                        </p:attrNameLst>
+                                      </p:cBhvr>
+                                      <p:to>
+                                        <p:strVal val="visible"/>
+                                      </p:to>
+                                    </p:set>
+                                  </p:childTnLst>
+                                </p:cTn>
+                              </p:par>
+                            </p:childTnLst>
+                          </p:cTn>
+                        </p:par>
+                      </p:childTnLst>
+                    </p:cTn>
+                  </p:par>
+                  <p:par>
+                    <p:cTn id="11" fill="hold">
+                      <p:stCondLst>
+                        <p:cond delay="indefinite"/>
+                      </p:stCondLst>
+                      <p:childTnLst>
+                        <p:par>
+                          <p:cTn id="12" fill="hold">
+                            <p:stCondLst>
+                              <p:cond delay="0"/>
+                            </p:stCondLst>
+                            <p:childTnLst>
+                              <p:par>
+                                <p:cTn id="13" presetID="1" presetClass="entr" presetSubtype="0" fill="hold" nodeType="clickEffect">
+                                  <p:stCondLst>
+                                    <p:cond delay="0"/>
+                                  </p:stCondLst>
+                                  <p:childTnLst>
+                                    <p:set>
+                                      <p:cBhvr>
+                                        <p:cTn id="14" dur="1" fill="hold">
+                                          <p:stCondLst>
+                                            <p:cond delay="0"/>
+                                          </p:stCondLst>
+                                        </p:cTn>
+                                        <p:tgtEl>
+                                          <p:spTgt spid="6">
+                                            <p:txEl>
+                                              <p:pRg st="2" end="2"/>
+                                            </p:txEl>
+                                          </p:spTgt>
+                                        </p:tgtEl>
+                                        <p:attrNameLst>
+                                          <p:attrName>style.visibility</p:attrName>
+                                        </p:attrNameLst>
+                                      </p:cBhvr>
+                                      <p:to>
+                                        <p:strVal val="visible"/>
+                                      </p:to>
+                                    </p:set>
+                                  </p:childTnLst>
+                                </p:cTn>
+                              </p:par>
+                              <p:par>
+                                <p:cTn id="15" presetID="1" presetClass="entr" presetSubtype="0" fill="hold" nodeType="withEffect">
+                                  <p:stCondLst>
+                                    <p:cond delay="0"/>
+                                  </p:stCondLst>
+                                  <p:childTnLst>
+                                    <p:set>
+                                      <p:cBhvr>
+                                        <p:cTn id="16" dur="1" fill="hold">
+                                          <p:stCondLst>
+                                            <p:cond delay="0"/>
+                                          </p:stCondLst>
+                                        </p:cTn>
+                                        <p:tgtEl>
+                                          <p:spTgt spid="6">
+                                            <p:txEl>
+                                              <p:pRg st="3" end="3"/>
+                                            </p:txEl>
+                                          </p:spTgt>
+                                        </p:tgtEl>
+                                        <p:attrNameLst>
+                                          <p:attrName>style.visibility</p:attrName>
+                                        </p:attrNameLst>
+                                      </p:cBhvr>
+                                      <p:to>
+                                        <p:strVal val="visible"/>
+                                      </p:to>
+                                    </p:set>
+                                  </p:childTnLst>
+                                </p:cTn>
+                              </p:par>
+                            </p:childTnLst>
+                          </p:cTn>
+                        </p:par>
+                      </p:childTnLst>
+                    </p:cTn>
+                  </p:par>
+                  <p:par>
+                    <p:cTn id="17" fill="hold">
+                      <p:stCondLst>
+                        <p:cond delay="indefinite"/>
+                      </p:stCondLst>
+                      <p:childTnLst>
+                        <p:par>
+                          <p:cTn id="18" fill="hold">
+                            <p:stCondLst>
+                              <p:cond delay="0"/>
+                            </p:stCondLst>
+                            <p:childTnLst>
+                              <p:par>
+                                <p:cTn id="19" presetID="1" presetClass="entr" presetSubtype="0" fill="hold" nodeType="clickEffect">
+                                  <p:stCondLst>
+                                    <p:cond delay="0"/>
+                                  </p:stCondLst>
+                                  <p:childTnLst>
+                                    <p:set>
+                                      <p:cBhvr>
+                                        <p:cTn id="20" dur="1" fill="hold">
+                                          <p:stCondLst>
+                                            <p:cond delay="0"/>
+                                          </p:stCondLst>
+                                        </p:cTn>
+                                        <p:tgtEl>
+                                          <p:spTgt spid="9"/>
+                                        </p:tgtEl>
+                                        <p:attrNameLst>
+                                          <p:attrName>style.visibility</p:attrName>
+                                        </p:attrNameLst>
+                                      </p:cBhvr>
+                                      <p:to>
+                                        <p:strVal val="visible"/>
+                                      </p:to>
+                                    </p:set>
+                                  </p:childTnLst>
+                                </p:cTn>
+                              </p:par>
+                            </p:childTnLst>
+                          </p:cTn>
+                        </p:par>
+                      </p:childTnLst>
+                    </p:cTn>
+                  </p:par>
+                </p:childTnLst>
+              </p:cTn>
+              <p:prevCondLst>
+                <p:cond evt="onPrev" delay="0">
+                  <p:tgtEl>
+                    <p:sldTgt/>
+                  </p:tgtEl>
+                </p:cond>
+              </p:prevCondLst>
+              <p:nextCondLst>
+                <p:cond evt="onNext" delay="0">
+                  <p:tgtEl>
+                    <p:sldTgt/>
+                  </p:tgtEl>
+                </p:cond>
+              </p:nextCondLst>
+            </p:seq>
+          </p:childTnLst>
+        </p:cTn>
+      </p:par>
+    </p:tnLst>
+  </p:timing>
+</p:sld>
+</file>
+
+<file path=ppt/slides/slide19.xml><?xml version="1.0" encoding="utf-8"?>
 <p:sld xmlns:a="http://schemas.openxmlformats.org/drawingml/2006/main" xmlns:r="http://schemas.openxmlformats.org/officeDocument/2006/relationships" xmlns:p="http://schemas.openxmlformats.org/presentationml/2006/main">
   <p:cSld>
     <p:spTree>
@@ -7428,231 +8146,6 @@
   <p:clrMapOvr>
     <a:masterClrMapping/>
   </p:clrMapOvr>
-</p:sld>
-</file>
-
-<file path=ppt/slides/slide18.xml><?xml version="1.0" encoding="utf-8"?>
-<p:sld xmlns:a="http://schemas.openxmlformats.org/drawingml/2006/main" xmlns:r="http://schemas.openxmlformats.org/officeDocument/2006/relationships" xmlns:p="http://schemas.openxmlformats.org/presentationml/2006/main">
-  <p:cSld>
-    <p:spTree>
-      <p:nvGrpSpPr>
-        <p:cNvPr id="1" name=""/>
-        <p:cNvGrpSpPr/>
-        <p:nvPr/>
-      </p:nvGrpSpPr>
-      <p:grpSpPr>
-        <a:xfrm>
-          <a:off x="0" y="0"/>
-          <a:ext cx="0" cy="0"/>
-          <a:chOff x="0" y="0"/>
-          <a:chExt cx="0" cy="0"/>
-        </a:xfrm>
-      </p:grpSpPr>
-      <p:sp>
-        <p:nvSpPr>
-          <p:cNvPr id="2" name="Title 1"/>
-          <p:cNvSpPr>
-            <a:spLocks noGrp="1"/>
-          </p:cNvSpPr>
-          <p:nvPr>
-            <p:ph type="title"/>
-          </p:nvPr>
-        </p:nvSpPr>
-        <p:spPr/>
-        <p:txBody>
-          <a:bodyPr/>
-          <a:lstStyle/>
-          <a:p>
-            <a:r>
-              <a:rPr lang="en-CA" dirty="0" smtClean="0"/>
-              <a:t>Your challenge</a:t>
-            </a:r>
-            <a:endParaRPr lang="en-US" dirty="0"/>
-          </a:p>
-        </p:txBody>
-      </p:sp>
-      <p:sp>
-        <p:nvSpPr>
-          <p:cNvPr id="3" name="Content Placeholder 2"/>
-          <p:cNvSpPr>
-            <a:spLocks noGrp="1"/>
-          </p:cNvSpPr>
-          <p:nvPr>
-            <p:ph sz="quarter" idx="10"/>
-          </p:nvPr>
-        </p:nvSpPr>
-        <p:spPr/>
-        <p:txBody>
-          <a:bodyPr/>
-          <a:lstStyle/>
-          <a:p>
-            <a:r>
-              <a:rPr lang="en-CA" dirty="0" smtClean="0"/>
-              <a:t>Write a program that will print the names and ages of the guests in the guest list file you created in the last module</a:t>
-            </a:r>
-          </a:p>
-          <a:p>
-            <a:r>
-              <a:rPr lang="en-CA" dirty="0" smtClean="0"/>
-              <a:t>If you didn’t do the last challenge, you can just create a file to read using Notepad that contains names and ages </a:t>
-            </a:r>
-            <a:endParaRPr lang="en-US" dirty="0"/>
-          </a:p>
-        </p:txBody>
-      </p:sp>
-      <p:pic>
-        <p:nvPicPr>
-          <p:cNvPr id="4" name="Picture 3"/>
-          <p:cNvPicPr>
-            <a:picLocks noChangeAspect="1"/>
-          </p:cNvPicPr>
-          <p:nvPr/>
-        </p:nvPicPr>
-        <p:blipFill>
-          <a:blip r:embed="rId2"/>
-          <a:stretch>
-            <a:fillRect/>
-          </a:stretch>
-        </p:blipFill>
-        <p:spPr>
-          <a:xfrm>
-            <a:off x="4392124" y="3727206"/>
-            <a:ext cx="4118830" cy="2950232"/>
-          </a:xfrm>
-          <a:prstGeom prst="rect">
-            <a:avLst/>
-          </a:prstGeom>
-        </p:spPr>
-      </p:pic>
-    </p:spTree>
-    <p:extLst>
-      <p:ext uri="{BB962C8B-B14F-4D97-AF65-F5344CB8AC3E}">
-        <p14:creationId xmlns:p14="http://schemas.microsoft.com/office/powerpoint/2010/main" val="1848193374"/>
-      </p:ext>
-    </p:extLst>
-  </p:cSld>
-  <p:clrMapOvr>
-    <a:masterClrMapping/>
-  </p:clrMapOvr>
-  <p:timing>
-    <p:tnLst>
-      <p:par>
-        <p:cTn id="1" dur="indefinite" restart="never" nodeType="tmRoot"/>
-      </p:par>
-    </p:tnLst>
-  </p:timing>
-</p:sld>
-</file>
-
-<file path=ppt/slides/slide19.xml><?xml version="1.0" encoding="utf-8"?>
-<p:sld xmlns:a="http://schemas.openxmlformats.org/drawingml/2006/main" xmlns:r="http://schemas.openxmlformats.org/officeDocument/2006/relationships" xmlns:p="http://schemas.openxmlformats.org/presentationml/2006/main">
-  <p:cSld>
-    <p:spTree>
-      <p:nvGrpSpPr>
-        <p:cNvPr id="1" name=""/>
-        <p:cNvGrpSpPr/>
-        <p:nvPr/>
-      </p:nvGrpSpPr>
-      <p:grpSpPr>
-        <a:xfrm>
-          <a:off x="0" y="0"/>
-          <a:ext cx="0" cy="0"/>
-          <a:chOff x="0" y="0"/>
-          <a:chExt cx="0" cy="0"/>
-        </a:xfrm>
-      </p:grpSpPr>
-      <p:pic>
-        <p:nvPicPr>
-          <p:cNvPr id="6" name="Content Placeholder 5"/>
-          <p:cNvPicPr>
-            <a:picLocks noGrp="1" noChangeAspect="1"/>
-          </p:cNvPicPr>
-          <p:nvPr>
-            <p:ph sz="half" idx="2"/>
-          </p:nvPr>
-        </p:nvPicPr>
-        <p:blipFill>
-          <a:blip r:embed="rId2" cstate="print">
-            <a:extLst>
-              <a:ext uri="{28A0092B-C50C-407E-A947-70E740481C1C}">
-                <a14:useLocalDpi xmlns:a14="http://schemas.microsoft.com/office/drawing/2010/main" val="0"/>
-              </a:ext>
-            </a:extLst>
-          </a:blip>
-          <a:stretch>
-            <a:fillRect/>
-          </a:stretch>
-        </p:blipFill>
-        <p:spPr>
-          <a:xfrm>
-            <a:off x="1029907" y="1781908"/>
-            <a:ext cx="4480303" cy="3985845"/>
-          </a:xfrm>
-        </p:spPr>
-      </p:pic>
-      <p:sp>
-        <p:nvSpPr>
-          <p:cNvPr id="5" name="Content Placeholder 4"/>
-          <p:cNvSpPr>
-            <a:spLocks noGrp="1"/>
-          </p:cNvSpPr>
-          <p:nvPr>
-            <p:ph sz="quarter" idx="4"/>
-          </p:nvPr>
-        </p:nvSpPr>
-        <p:spPr/>
-        <p:txBody>
-          <a:bodyPr/>
-          <a:lstStyle/>
-          <a:p>
-            <a:r>
-              <a:rPr lang="en-CA" dirty="0" smtClean="0"/>
-              <a:t>You can now write a program that can receive or retrieve information from a file!</a:t>
-            </a:r>
-            <a:endParaRPr lang="en-US" dirty="0"/>
-          </a:p>
-        </p:txBody>
-      </p:sp>
-      <p:sp>
-        <p:nvSpPr>
-          <p:cNvPr id="2" name="Title 1"/>
-          <p:cNvSpPr>
-            <a:spLocks noGrp="1"/>
-          </p:cNvSpPr>
-          <p:nvPr>
-            <p:ph type="title"/>
-          </p:nvPr>
-        </p:nvSpPr>
-        <p:spPr/>
-        <p:txBody>
-          <a:bodyPr/>
-          <a:lstStyle/>
-          <a:p>
-            <a:r>
-              <a:rPr lang="en-CA" dirty="0" smtClean="0"/>
-              <a:t>Congratulations</a:t>
-            </a:r>
-            <a:endParaRPr lang="en-US" dirty="0"/>
-          </a:p>
-        </p:txBody>
-      </p:sp>
-    </p:spTree>
-    <p:extLst>
-      <p:ext uri="{BB962C8B-B14F-4D97-AF65-F5344CB8AC3E}">
-        <p14:creationId xmlns:p14="http://schemas.microsoft.com/office/powerpoint/2010/main" val="1965120233"/>
-      </p:ext>
-    </p:extLst>
-  </p:cSld>
-  <p:clrMapOvr>
-    <a:masterClrMapping/>
-  </p:clrMapOvr>
-  <p:timing>
-    <p:tnLst>
-      <p:par>
-        <p:cTn id="1" dur="indefinite" restart="never" nodeType="tmRoot"/>
-      </p:par>
-    </p:tnLst>
-  </p:timing>
 </p:sld>
 </file>
 
@@ -7945,6 +8438,231 @@
           <a:chExt cx="0" cy="0"/>
         </a:xfrm>
       </p:grpSpPr>
+      <p:sp>
+        <p:nvSpPr>
+          <p:cNvPr id="2" name="Title 1"/>
+          <p:cNvSpPr>
+            <a:spLocks noGrp="1"/>
+          </p:cNvSpPr>
+          <p:nvPr>
+            <p:ph type="title"/>
+          </p:nvPr>
+        </p:nvSpPr>
+        <p:spPr/>
+        <p:txBody>
+          <a:bodyPr/>
+          <a:lstStyle/>
+          <a:p>
+            <a:r>
+              <a:rPr lang="en-CA" dirty="0" smtClean="0"/>
+              <a:t>Your challenge</a:t>
+            </a:r>
+            <a:endParaRPr lang="en-US" dirty="0"/>
+          </a:p>
+        </p:txBody>
+      </p:sp>
+      <p:sp>
+        <p:nvSpPr>
+          <p:cNvPr id="3" name="Content Placeholder 2"/>
+          <p:cNvSpPr>
+            <a:spLocks noGrp="1"/>
+          </p:cNvSpPr>
+          <p:nvPr>
+            <p:ph sz="quarter" idx="10"/>
+          </p:nvPr>
+        </p:nvSpPr>
+        <p:spPr/>
+        <p:txBody>
+          <a:bodyPr/>
+          <a:lstStyle/>
+          <a:p>
+            <a:r>
+              <a:rPr lang="en-CA" dirty="0" smtClean="0"/>
+              <a:t>Write a program that will print the names and ages of the guests in the guest list file you created in the last module</a:t>
+            </a:r>
+          </a:p>
+          <a:p>
+            <a:r>
+              <a:rPr lang="en-CA" dirty="0" smtClean="0"/>
+              <a:t>If you didn’t do the last challenge, you can just create a file to read using Notepad that contains names and ages </a:t>
+            </a:r>
+            <a:endParaRPr lang="en-US" dirty="0"/>
+          </a:p>
+        </p:txBody>
+      </p:sp>
+      <p:pic>
+        <p:nvPicPr>
+          <p:cNvPr id="4" name="Picture 3"/>
+          <p:cNvPicPr>
+            <a:picLocks noChangeAspect="1"/>
+          </p:cNvPicPr>
+          <p:nvPr/>
+        </p:nvPicPr>
+        <p:blipFill>
+          <a:blip r:embed="rId2"/>
+          <a:stretch>
+            <a:fillRect/>
+          </a:stretch>
+        </p:blipFill>
+        <p:spPr>
+          <a:xfrm>
+            <a:off x="4392124" y="3727206"/>
+            <a:ext cx="4118830" cy="2950232"/>
+          </a:xfrm>
+          <a:prstGeom prst="rect">
+            <a:avLst/>
+          </a:prstGeom>
+        </p:spPr>
+      </p:pic>
+    </p:spTree>
+    <p:extLst>
+      <p:ext uri="{BB962C8B-B14F-4D97-AF65-F5344CB8AC3E}">
+        <p14:creationId xmlns:p14="http://schemas.microsoft.com/office/powerpoint/2010/main" val="1848193374"/>
+      </p:ext>
+    </p:extLst>
+  </p:cSld>
+  <p:clrMapOvr>
+    <a:masterClrMapping/>
+  </p:clrMapOvr>
+  <p:timing>
+    <p:tnLst>
+      <p:par>
+        <p:cTn id="1" dur="indefinite" restart="never" nodeType="tmRoot"/>
+      </p:par>
+    </p:tnLst>
+  </p:timing>
+</p:sld>
+</file>
+
+<file path=ppt/slides/slide21.xml><?xml version="1.0" encoding="utf-8"?>
+<p:sld xmlns:a="http://schemas.openxmlformats.org/drawingml/2006/main" xmlns:r="http://schemas.openxmlformats.org/officeDocument/2006/relationships" xmlns:p="http://schemas.openxmlformats.org/presentationml/2006/main">
+  <p:cSld>
+    <p:spTree>
+      <p:nvGrpSpPr>
+        <p:cNvPr id="1" name=""/>
+        <p:cNvGrpSpPr/>
+        <p:nvPr/>
+      </p:nvGrpSpPr>
+      <p:grpSpPr>
+        <a:xfrm>
+          <a:off x="0" y="0"/>
+          <a:ext cx="0" cy="0"/>
+          <a:chOff x="0" y="0"/>
+          <a:chExt cx="0" cy="0"/>
+        </a:xfrm>
+      </p:grpSpPr>
+      <p:pic>
+        <p:nvPicPr>
+          <p:cNvPr id="6" name="Content Placeholder 5"/>
+          <p:cNvPicPr>
+            <a:picLocks noGrp="1" noChangeAspect="1"/>
+          </p:cNvPicPr>
+          <p:nvPr>
+            <p:ph sz="half" idx="2"/>
+          </p:nvPr>
+        </p:nvPicPr>
+        <p:blipFill>
+          <a:blip r:embed="rId2" cstate="print">
+            <a:extLst>
+              <a:ext uri="{28A0092B-C50C-407E-A947-70E740481C1C}">
+                <a14:useLocalDpi xmlns:a14="http://schemas.microsoft.com/office/drawing/2010/main" val="0"/>
+              </a:ext>
+            </a:extLst>
+          </a:blip>
+          <a:stretch>
+            <a:fillRect/>
+          </a:stretch>
+        </p:blipFill>
+        <p:spPr>
+          <a:xfrm>
+            <a:off x="1029907" y="1781908"/>
+            <a:ext cx="4480303" cy="3985845"/>
+          </a:xfrm>
+        </p:spPr>
+      </p:pic>
+      <p:sp>
+        <p:nvSpPr>
+          <p:cNvPr id="5" name="Content Placeholder 4"/>
+          <p:cNvSpPr>
+            <a:spLocks noGrp="1"/>
+          </p:cNvSpPr>
+          <p:nvPr>
+            <p:ph sz="quarter" idx="4"/>
+          </p:nvPr>
+        </p:nvSpPr>
+        <p:spPr/>
+        <p:txBody>
+          <a:bodyPr/>
+          <a:lstStyle/>
+          <a:p>
+            <a:r>
+              <a:rPr lang="en-CA" dirty="0" smtClean="0"/>
+              <a:t>You can now write a program that can receive or retrieve information from a file!</a:t>
+            </a:r>
+            <a:endParaRPr lang="en-US" dirty="0"/>
+          </a:p>
+        </p:txBody>
+      </p:sp>
+      <p:sp>
+        <p:nvSpPr>
+          <p:cNvPr id="2" name="Title 1"/>
+          <p:cNvSpPr>
+            <a:spLocks noGrp="1"/>
+          </p:cNvSpPr>
+          <p:nvPr>
+            <p:ph type="title"/>
+          </p:nvPr>
+        </p:nvSpPr>
+        <p:spPr/>
+        <p:txBody>
+          <a:bodyPr/>
+          <a:lstStyle/>
+          <a:p>
+            <a:r>
+              <a:rPr lang="en-CA" dirty="0" smtClean="0"/>
+              <a:t>Congratulations</a:t>
+            </a:r>
+            <a:endParaRPr lang="en-US" dirty="0"/>
+          </a:p>
+        </p:txBody>
+      </p:sp>
+    </p:spTree>
+    <p:extLst>
+      <p:ext uri="{BB962C8B-B14F-4D97-AF65-F5344CB8AC3E}">
+        <p14:creationId xmlns:p14="http://schemas.microsoft.com/office/powerpoint/2010/main" val="1965120233"/>
+      </p:ext>
+    </p:extLst>
+  </p:cSld>
+  <p:clrMapOvr>
+    <a:masterClrMapping/>
+  </p:clrMapOvr>
+  <p:timing>
+    <p:tnLst>
+      <p:par>
+        <p:cTn id="1" dur="indefinite" restart="never" nodeType="tmRoot"/>
+      </p:par>
+    </p:tnLst>
+  </p:timing>
+</p:sld>
+</file>
+
+<file path=ppt/slides/slide22.xml><?xml version="1.0" encoding="utf-8"?>
+<p:sld xmlns:a="http://schemas.openxmlformats.org/drawingml/2006/main" xmlns:r="http://schemas.openxmlformats.org/officeDocument/2006/relationships" xmlns:p="http://schemas.openxmlformats.org/presentationml/2006/main">
+  <p:cSld>
+    <p:spTree>
+      <p:nvGrpSpPr>
+        <p:cNvPr id="1" name=""/>
+        <p:cNvGrpSpPr/>
+        <p:nvPr/>
+      </p:nvGrpSpPr>
+      <p:grpSpPr>
+        <a:xfrm>
+          <a:off x="0" y="0"/>
+          <a:ext cx="0" cy="0"/>
+          <a:chOff x="0" y="0"/>
+          <a:chExt cx="0" cy="0"/>
+        </a:xfrm>
+      </p:grpSpPr>
     </p:spTree>
     <p:extLst>
       <p:ext uri="{BB962C8B-B14F-4D97-AF65-F5344CB8AC3E}">
@@ -8258,6 +8976,78 @@
 </file>
 
 <file path=ppt/slides/slide4.xml><?xml version="1.0" encoding="utf-8"?>
+<p:sld xmlns:a="http://schemas.openxmlformats.org/drawingml/2006/main" xmlns:r="http://schemas.openxmlformats.org/officeDocument/2006/relationships" xmlns:p="http://schemas.openxmlformats.org/presentationml/2006/main">
+  <p:cSld>
+    <p:spTree>
+      <p:nvGrpSpPr>
+        <p:cNvPr id="1" name=""/>
+        <p:cNvGrpSpPr/>
+        <p:nvPr/>
+      </p:nvGrpSpPr>
+      <p:grpSpPr>
+        <a:xfrm>
+          <a:off x="0" y="0"/>
+          <a:ext cx="0" cy="0"/>
+          <a:chOff x="0" y="0"/>
+          <a:chExt cx="0" cy="0"/>
+        </a:xfrm>
+      </p:grpSpPr>
+      <p:sp>
+        <p:nvSpPr>
+          <p:cNvPr id="5" name="Text Placeholder 4"/>
+          <p:cNvSpPr>
+            <a:spLocks noGrp="1"/>
+          </p:cNvSpPr>
+          <p:nvPr>
+            <p:ph type="body" sz="quarter" idx="10"/>
+          </p:nvPr>
+        </p:nvSpPr>
+        <p:spPr/>
+        <p:txBody>
+          <a:bodyPr/>
+          <a:lstStyle/>
+          <a:p>
+            <a:r>
+              <a:rPr lang="en-US" dirty="0" smtClean="0"/>
+              <a:t>Text files</a:t>
+            </a:r>
+            <a:endParaRPr lang="en-US" dirty="0"/>
+          </a:p>
+        </p:txBody>
+      </p:sp>
+      <p:sp>
+        <p:nvSpPr>
+          <p:cNvPr id="4" name="Subtitle 3"/>
+          <p:cNvSpPr>
+            <a:spLocks noGrp="1"/>
+          </p:cNvSpPr>
+          <p:nvPr>
+            <p:ph type="subTitle" idx="1"/>
+          </p:nvPr>
+        </p:nvSpPr>
+        <p:spPr/>
+        <p:txBody>
+          <a:bodyPr/>
+          <a:lstStyle/>
+          <a:p>
+            <a:endParaRPr lang="en-US"/>
+          </a:p>
+        </p:txBody>
+      </p:sp>
+    </p:spTree>
+    <p:extLst>
+      <p:ext uri="{BB962C8B-B14F-4D97-AF65-F5344CB8AC3E}">
+        <p14:creationId xmlns:p14="http://schemas.microsoft.com/office/powerpoint/2010/main" val="706433221"/>
+      </p:ext>
+    </p:extLst>
+  </p:cSld>
+  <p:clrMapOvr>
+    <a:masterClrMapping/>
+  </p:clrMapOvr>
+</p:sld>
+</file>
+
+<file path=ppt/slides/slide5.xml><?xml version="1.0" encoding="utf-8"?>
 <p:sld xmlns:a="http://schemas.openxmlformats.org/drawingml/2006/main" xmlns:r="http://schemas.openxmlformats.org/officeDocument/2006/relationships" xmlns:p="http://schemas.openxmlformats.org/presentationml/2006/main">
   <p:cSld>
     <p:spTree>
@@ -8957,7 +9747,7 @@
 </p:sld>
 </file>
 
-<file path=ppt/slides/slide5.xml><?xml version="1.0" encoding="utf-8"?>
+<file path=ppt/slides/slide6.xml><?xml version="1.0" encoding="utf-8"?>
 <p:sld xmlns:a="http://schemas.openxmlformats.org/drawingml/2006/main" xmlns:r="http://schemas.openxmlformats.org/officeDocument/2006/relationships" xmlns:p="http://schemas.openxmlformats.org/presentationml/2006/main">
   <p:cSld>
     <p:spTree>
@@ -9267,7 +10057,7 @@
 </p:sld>
 </file>
 
-<file path=ppt/slides/slide6.xml><?xml version="1.0" encoding="utf-8"?>
+<file path=ppt/slides/slide7.xml><?xml version="1.0" encoding="utf-8"?>
 <p:sld xmlns:a="http://schemas.openxmlformats.org/drawingml/2006/main" xmlns:r="http://schemas.openxmlformats.org/officeDocument/2006/relationships" xmlns:p="http://schemas.openxmlformats.org/presentationml/2006/main">
   <p:cSld>
     <p:spTree>
@@ -9668,7 +10458,7 @@
 </p:sld>
 </file>
 
-<file path=ppt/slides/slide7.xml><?xml version="1.0" encoding="utf-8"?>
+<file path=ppt/slides/slide8.xml><?xml version="1.0" encoding="utf-8"?>
 <p:sld xmlns:a="http://schemas.openxmlformats.org/drawingml/2006/main" xmlns:r="http://schemas.openxmlformats.org/officeDocument/2006/relationships" xmlns:p="http://schemas.openxmlformats.org/presentationml/2006/main">
   <p:cSld>
     <p:spTree>
@@ -9721,264 +10511,6 @@
 </p:sld>
 </file>
 
-<file path=ppt/slides/slide8.xml><?xml version="1.0" encoding="utf-8"?>
-<p:sld xmlns:a="http://schemas.openxmlformats.org/drawingml/2006/main" xmlns:r="http://schemas.openxmlformats.org/officeDocument/2006/relationships" xmlns:p="http://schemas.openxmlformats.org/presentationml/2006/main">
-  <p:cSld>
-    <p:spTree>
-      <p:nvGrpSpPr>
-        <p:cNvPr id="1" name=""/>
-        <p:cNvGrpSpPr/>
-        <p:nvPr/>
-      </p:nvGrpSpPr>
-      <p:grpSpPr>
-        <a:xfrm>
-          <a:off x="0" y="0"/>
-          <a:ext cx="0" cy="0"/>
-          <a:chOff x="0" y="0"/>
-          <a:chExt cx="0" cy="0"/>
-        </a:xfrm>
-      </p:grpSpPr>
-      <p:sp>
-        <p:nvSpPr>
-          <p:cNvPr id="2" name="Title 1"/>
-          <p:cNvSpPr>
-            <a:spLocks noGrp="1"/>
-          </p:cNvSpPr>
-          <p:nvPr>
-            <p:ph type="title"/>
-          </p:nvPr>
-        </p:nvSpPr>
-        <p:spPr>
-          <a:xfrm>
-            <a:off x="380231" y="182215"/>
-            <a:ext cx="11524432" cy="1063487"/>
-          </a:xfrm>
-        </p:spPr>
-        <p:txBody>
-          <a:bodyPr>
-            <a:normAutofit fontScale="90000"/>
-          </a:bodyPr>
-          <a:lstStyle/>
-          <a:p>
-            <a:r>
-              <a:rPr lang="en-CA" dirty="0" smtClean="0"/>
-              <a:t>If you are reading a CSV file, </a:t>
-            </a:r>
-            <a:br>
-              <a:rPr lang="en-CA" dirty="0" smtClean="0"/>
-            </a:br>
-            <a:r>
-              <a:rPr lang="en-CA" dirty="0" smtClean="0"/>
-              <a:t>there is a </a:t>
-            </a:r>
-            <a:r>
-              <a:rPr lang="en-CA" b="1" dirty="0" smtClean="0"/>
-              <a:t>csv</a:t>
-            </a:r>
-            <a:r>
-              <a:rPr lang="en-CA" dirty="0" smtClean="0"/>
-              <a:t> library that will help you!</a:t>
-            </a:r>
-            <a:endParaRPr lang="en-CA" dirty="0"/>
-          </a:p>
-        </p:txBody>
-      </p:sp>
-      <p:sp>
-        <p:nvSpPr>
-          <p:cNvPr id="4" name="Text Placeholder 3"/>
-          <p:cNvSpPr>
-            <a:spLocks noGrp="1"/>
-          </p:cNvSpPr>
-          <p:nvPr>
-            <p:ph sz="quarter" idx="10"/>
-          </p:nvPr>
-        </p:nvSpPr>
-        <p:spPr/>
-        <p:txBody>
-          <a:bodyPr>
-            <a:normAutofit/>
-          </a:bodyPr>
-          <a:lstStyle/>
-          <a:p>
-            <a:pPr marL="0" indent="0">
-              <a:buNone/>
-            </a:pPr>
-            <a:r>
-              <a:rPr lang="en-CA" dirty="0" smtClean="0"/>
-              <a:t>To access the features in the </a:t>
-            </a:r>
-            <a:r>
-              <a:rPr lang="en-CA" b="1" dirty="0" smtClean="0"/>
-              <a:t>csv</a:t>
-            </a:r>
-            <a:r>
-              <a:rPr lang="en-CA" dirty="0" smtClean="0"/>
-              <a:t> library you must import it</a:t>
-            </a:r>
-          </a:p>
-          <a:p>
-            <a:pPr marL="399915" lvl="1" indent="0">
-              <a:buNone/>
-            </a:pPr>
-            <a:r>
-              <a:rPr lang="en-US" altLang="en-US" sz="3200" dirty="0">
-                <a:solidFill>
-                  <a:srgbClr val="0000FF"/>
-                </a:solidFill>
-                <a:latin typeface="Consolas" panose="020B0609020204030204" pitchFamily="49" charset="0"/>
-                <a:cs typeface="Consolas" panose="020B0609020204030204" pitchFamily="49" charset="0"/>
-              </a:rPr>
-              <a:t>import</a:t>
-            </a:r>
-            <a:r>
-              <a:rPr lang="en-US" altLang="en-US" sz="3200" dirty="0">
-                <a:solidFill>
-                  <a:srgbClr val="000000"/>
-                </a:solidFill>
-                <a:latin typeface="Consolas" panose="020B0609020204030204" pitchFamily="49" charset="0"/>
-                <a:cs typeface="Consolas" panose="020B0609020204030204" pitchFamily="49" charset="0"/>
-              </a:rPr>
-              <a:t> </a:t>
-            </a:r>
-            <a:r>
-              <a:rPr lang="en-US" altLang="en-US" sz="3200" dirty="0" smtClean="0">
-                <a:solidFill>
-                  <a:srgbClr val="000000"/>
-                </a:solidFill>
-                <a:latin typeface="Consolas" panose="020B0609020204030204" pitchFamily="49" charset="0"/>
-                <a:cs typeface="Consolas" panose="020B0609020204030204" pitchFamily="49" charset="0"/>
-              </a:rPr>
-              <a:t>csv</a:t>
-            </a:r>
-          </a:p>
-        </p:txBody>
-      </p:sp>
-    </p:spTree>
-    <p:extLst>
-      <p:ext uri="{BB962C8B-B14F-4D97-AF65-F5344CB8AC3E}">
-        <p14:creationId xmlns:p14="http://schemas.microsoft.com/office/powerpoint/2010/main" val="1454411357"/>
-      </p:ext>
-    </p:extLst>
-  </p:cSld>
-  <p:clrMapOvr>
-    <a:masterClrMapping/>
-  </p:clrMapOvr>
-  <p:timing>
-    <p:tnLst>
-      <p:par>
-        <p:cTn id="1" dur="indefinite" restart="never" nodeType="tmRoot">
-          <p:childTnLst>
-            <p:seq concurrent="1" nextAc="seek">
-              <p:cTn id="2" dur="indefinite" nodeType="mainSeq">
-                <p:childTnLst>
-                  <p:par>
-                    <p:cTn id="3" fill="hold">
-                      <p:stCondLst>
-                        <p:cond delay="indefinite"/>
-                      </p:stCondLst>
-                      <p:childTnLst>
-                        <p:par>
-                          <p:cTn id="4" fill="hold">
-                            <p:stCondLst>
-                              <p:cond delay="0"/>
-                            </p:stCondLst>
-                            <p:childTnLst>
-                              <p:par>
-                                <p:cTn id="5" presetID="1" presetClass="entr" presetSubtype="0" fill="hold" grpId="0" nodeType="clickEffect">
-                                  <p:stCondLst>
-                                    <p:cond delay="0"/>
-                                  </p:stCondLst>
-                                  <p:childTnLst>
-                                    <p:set>
-                                      <p:cBhvr>
-                                        <p:cTn id="6" dur="1" fill="hold">
-                                          <p:stCondLst>
-                                            <p:cond delay="0"/>
-                                          </p:stCondLst>
-                                        </p:cTn>
-                                        <p:tgtEl>
-                                          <p:spTgt spid="4">
-                                            <p:txEl>
-                                              <p:pRg st="0" end="0"/>
-                                            </p:txEl>
-                                          </p:spTgt>
-                                        </p:tgtEl>
-                                        <p:attrNameLst>
-                                          <p:attrName>style.visibility</p:attrName>
-                                        </p:attrNameLst>
-                                      </p:cBhvr>
-                                      <p:to>
-                                        <p:strVal val="visible"/>
-                                      </p:to>
-                                    </p:set>
-                                  </p:childTnLst>
-                                </p:cTn>
-                              </p:par>
-                              <p:par>
-                                <p:cTn id="7" presetID="1" presetClass="entr" presetSubtype="0" fill="hold" grpId="0" nodeType="withEffect">
-                                  <p:stCondLst>
-                                    <p:cond delay="0"/>
-                                  </p:stCondLst>
-                                  <p:childTnLst>
-                                    <p:set>
-                                      <p:cBhvr>
-                                        <p:cTn id="8" dur="1" fill="hold">
-                                          <p:stCondLst>
-                                            <p:cond delay="0"/>
-                                          </p:stCondLst>
-                                        </p:cTn>
-                                        <p:tgtEl>
-                                          <p:spTgt spid="4">
-                                            <p:txEl>
-                                              <p:pRg st="1" end="1"/>
-                                            </p:txEl>
-                                          </p:spTgt>
-                                        </p:tgtEl>
-                                        <p:attrNameLst>
-                                          <p:attrName>style.visibility</p:attrName>
-                                        </p:attrNameLst>
-                                      </p:cBhvr>
-                                      <p:to>
-                                        <p:strVal val="visible"/>
-                                      </p:to>
-                                    </p:set>
-                                  </p:childTnLst>
-                                </p:cTn>
-                              </p:par>
-                            </p:childTnLst>
-                          </p:cTn>
-                        </p:par>
-                      </p:childTnLst>
-                    </p:cTn>
-                  </p:par>
-                </p:childTnLst>
-              </p:cTn>
-              <p:prevCondLst>
-                <p:cond evt="onPrev" delay="0">
-                  <p:tgtEl>
-                    <p:sldTgt/>
-                  </p:tgtEl>
-                </p:cond>
-              </p:prevCondLst>
-              <p:nextCondLst>
-                <p:cond evt="onNext" delay="0">
-                  <p:tgtEl>
-                    <p:sldTgt/>
-                  </p:tgtEl>
-                </p:cond>
-              </p:nextCondLst>
-            </p:seq>
-          </p:childTnLst>
-        </p:cTn>
-      </p:par>
-    </p:tnLst>
-    <p:bldLst>
-      <p:bldP spid="4" grpId="0" build="p"/>
-    </p:bldLst>
-  </p:timing>
-</p:sld>
-</file>
-
 <file path=ppt/slides/slide9.xml><?xml version="1.0" encoding="utf-8"?>
 <p:sld xmlns:a="http://schemas.openxmlformats.org/drawingml/2006/main" xmlns:r="http://schemas.openxmlformats.org/officeDocument/2006/relationships" xmlns:p="http://schemas.openxmlformats.org/presentationml/2006/main">
   <p:cSld>
@@ -9998,442 +10530,56 @@
       </p:grpSpPr>
       <p:sp>
         <p:nvSpPr>
-          <p:cNvPr id="2" name="Title 1"/>
-          <p:cNvSpPr>
-            <a:spLocks noGrp="1"/>
-          </p:cNvSpPr>
-          <p:nvPr>
-            <p:ph type="title"/>
-          </p:nvPr>
-        </p:nvSpPr>
-        <p:spPr/>
-        <p:txBody>
-          <a:bodyPr>
-            <a:normAutofit fontScale="90000"/>
-          </a:bodyPr>
-          <a:lstStyle/>
-          <a:p>
-            <a:r>
-              <a:rPr lang="en-CA" dirty="0" smtClean="0"/>
-              <a:t>Now you can use the </a:t>
-            </a:r>
-            <a:r>
-              <a:rPr lang="en-CA" b="1" dirty="0" smtClean="0"/>
-              <a:t>reader</a:t>
-            </a:r>
-            <a:r>
-              <a:rPr lang="en-CA" dirty="0" smtClean="0"/>
-              <a:t> function to return all the rows from the file into a list</a:t>
-            </a:r>
-            <a:endParaRPr lang="en-CA" dirty="0"/>
-          </a:p>
-        </p:txBody>
-      </p:sp>
-      <p:sp>
-        <p:nvSpPr>
           <p:cNvPr id="4" name="Text Placeholder 3"/>
           <p:cNvSpPr>
             <a:spLocks noGrp="1"/>
           </p:cNvSpPr>
           <p:nvPr>
-            <p:ph sz="quarter" idx="10"/>
+            <p:ph type="body" sz="quarter" idx="10"/>
           </p:nvPr>
         </p:nvSpPr>
         <p:spPr/>
         <p:txBody>
-          <a:bodyPr>
-            <a:normAutofit/>
-          </a:bodyPr>
+          <a:bodyPr/>
           <a:lstStyle/>
           <a:p>
-            <a:pPr marL="0" indent="0">
-              <a:buNone/>
-            </a:pPr>
-            <a:r>
-              <a:rPr lang="en-CA" dirty="0"/>
-              <a:t>The reader function will take an open csv file and return each row from the file into a list</a:t>
-            </a:r>
-          </a:p>
-          <a:p>
-            <a:pPr marL="399915" lvl="1" indent="0">
-              <a:buNone/>
-            </a:pPr>
-            <a:r>
-              <a:rPr lang="en-CA" dirty="0" err="1" smtClean="0">
-                <a:latin typeface="Consolas" panose="020B0609020204030204" pitchFamily="49" charset="0"/>
-                <a:cs typeface="Consolas" panose="020B0609020204030204" pitchFamily="49" charset="0"/>
-              </a:rPr>
-              <a:t>dataFromFile</a:t>
-            </a:r>
-            <a:r>
-              <a:rPr lang="en-CA" dirty="0" smtClean="0">
-                <a:latin typeface="Consolas" panose="020B0609020204030204" pitchFamily="49" charset="0"/>
-                <a:cs typeface="Consolas" panose="020B0609020204030204" pitchFamily="49" charset="0"/>
-              </a:rPr>
-              <a:t> = </a:t>
-            </a:r>
-            <a:r>
-              <a:rPr lang="en-CA" dirty="0" err="1" smtClean="0">
-                <a:latin typeface="Consolas" panose="020B0609020204030204" pitchFamily="49" charset="0"/>
-                <a:cs typeface="Consolas" panose="020B0609020204030204" pitchFamily="49" charset="0"/>
-              </a:rPr>
-              <a:t>csv.reader</a:t>
-            </a:r>
-            <a:r>
-              <a:rPr lang="en-CA" dirty="0" smtClean="0">
-                <a:latin typeface="Consolas" panose="020B0609020204030204" pitchFamily="49" charset="0"/>
-                <a:cs typeface="Consolas" panose="020B0609020204030204" pitchFamily="49" charset="0"/>
-              </a:rPr>
-              <a:t>(</a:t>
-            </a:r>
-            <a:r>
-              <a:rPr lang="en-CA" dirty="0" err="1" smtClean="0">
-                <a:latin typeface="Consolas" panose="020B0609020204030204" pitchFamily="49" charset="0"/>
-                <a:cs typeface="Consolas" panose="020B0609020204030204" pitchFamily="49" charset="0"/>
-              </a:rPr>
-              <a:t>myCSVfile</a:t>
-            </a:r>
-            <a:r>
-              <a:rPr lang="en-CA" dirty="0" smtClean="0">
-                <a:latin typeface="Consolas" panose="020B0609020204030204" pitchFamily="49" charset="0"/>
-                <a:cs typeface="Consolas" panose="020B0609020204030204" pitchFamily="49" charset="0"/>
-              </a:rPr>
-              <a:t>)</a:t>
-            </a:r>
-            <a:endParaRPr lang="en-CA" dirty="0" smtClean="0">
-              <a:solidFill>
-                <a:schemeClr val="accent6">
-                  <a:lumMod val="75000"/>
-                </a:schemeClr>
-              </a:solidFill>
-              <a:latin typeface="+mj-lt"/>
-              <a:cs typeface="Consolas" panose="020B0609020204030204" pitchFamily="49" charset="0"/>
-            </a:endParaRPr>
-          </a:p>
-          <a:p>
-            <a:pPr marL="0" indent="0">
-              <a:buNone/>
-            </a:pPr>
-            <a:r>
-              <a:rPr lang="en-CA" dirty="0" smtClean="0"/>
-              <a:t>If your file is not using a comma to separate the values, you can tell the reader function what character is used as a delimiter</a:t>
-            </a:r>
-          </a:p>
-          <a:p>
-            <a:pPr marL="399915" lvl="1" indent="0" defTabSz="914400" eaLnBrk="0" fontAlgn="base" hangingPunct="0">
-              <a:spcBef>
-                <a:spcPct val="0"/>
-              </a:spcBef>
-              <a:spcAft>
-                <a:spcPct val="0"/>
-              </a:spcAft>
-              <a:buNone/>
-            </a:pPr>
-            <a:r>
-              <a:rPr lang="en-US" altLang="en-US" dirty="0" err="1">
-                <a:solidFill>
-                  <a:srgbClr val="000000"/>
-                </a:solidFill>
-                <a:latin typeface="Consolas" panose="020B0609020204030204" pitchFamily="49" charset="0"/>
-                <a:cs typeface="Consolas" panose="020B0609020204030204" pitchFamily="49" charset="0"/>
-              </a:rPr>
-              <a:t>dataFromFile</a:t>
-            </a:r>
-            <a:r>
-              <a:rPr lang="en-US" altLang="en-US" dirty="0">
-                <a:solidFill>
-                  <a:srgbClr val="000000"/>
-                </a:solidFill>
-                <a:latin typeface="Consolas" panose="020B0609020204030204" pitchFamily="49" charset="0"/>
-                <a:cs typeface="Consolas" panose="020B0609020204030204" pitchFamily="49" charset="0"/>
-              </a:rPr>
-              <a:t> = </a:t>
-            </a:r>
-            <a:r>
-              <a:rPr lang="en-US" altLang="en-US" dirty="0" err="1">
-                <a:solidFill>
-                  <a:srgbClr val="000000"/>
-                </a:solidFill>
-                <a:latin typeface="Consolas" panose="020B0609020204030204" pitchFamily="49" charset="0"/>
-                <a:cs typeface="Consolas" panose="020B0609020204030204" pitchFamily="49" charset="0"/>
-              </a:rPr>
-              <a:t>csv.reader</a:t>
-            </a:r>
-            <a:r>
-              <a:rPr lang="en-US" altLang="en-US" dirty="0">
-                <a:solidFill>
-                  <a:srgbClr val="000000"/>
-                </a:solidFill>
-                <a:latin typeface="Consolas" panose="020B0609020204030204" pitchFamily="49" charset="0"/>
-                <a:cs typeface="Consolas" panose="020B0609020204030204" pitchFamily="49" charset="0"/>
-              </a:rPr>
-              <a:t>(</a:t>
-            </a:r>
-            <a:r>
-              <a:rPr lang="en-US" altLang="en-US" dirty="0" err="1">
-                <a:solidFill>
-                  <a:srgbClr val="000000"/>
-                </a:solidFill>
-                <a:latin typeface="Consolas" panose="020B0609020204030204" pitchFamily="49" charset="0"/>
-                <a:cs typeface="Consolas" panose="020B0609020204030204" pitchFamily="49" charset="0"/>
-              </a:rPr>
-              <a:t>myCSVFile</a:t>
-            </a:r>
-            <a:r>
-              <a:rPr lang="en-US" altLang="en-US" dirty="0">
-                <a:solidFill>
-                  <a:srgbClr val="000000"/>
-                </a:solidFill>
-                <a:latin typeface="Consolas" panose="020B0609020204030204" pitchFamily="49" charset="0"/>
-                <a:cs typeface="Consolas" panose="020B0609020204030204" pitchFamily="49" charset="0"/>
-              </a:rPr>
-              <a:t>, </a:t>
-            </a:r>
-            <a:r>
-              <a:rPr lang="en-US" altLang="en-US" dirty="0" smtClean="0">
-                <a:solidFill>
-                  <a:srgbClr val="000000"/>
-                </a:solidFill>
-                <a:latin typeface="Consolas" panose="020B0609020204030204" pitchFamily="49" charset="0"/>
-                <a:cs typeface="Consolas" panose="020B0609020204030204" pitchFamily="49" charset="0"/>
-              </a:rPr>
-              <a:t>delimiter=</a:t>
-            </a:r>
-            <a:r>
-              <a:rPr lang="en-US" altLang="en-US" dirty="0" smtClean="0">
-                <a:solidFill>
-                  <a:srgbClr val="A31515"/>
-                </a:solidFill>
-                <a:latin typeface="Consolas" panose="020B0609020204030204" pitchFamily="49" charset="0"/>
-                <a:cs typeface="Consolas" panose="020B0609020204030204" pitchFamily="49" charset="0"/>
-              </a:rPr>
-              <a:t>","</a:t>
-            </a:r>
-            <a:r>
-              <a:rPr lang="en-US" altLang="en-US" dirty="0" smtClean="0">
-                <a:solidFill>
-                  <a:srgbClr val="000000"/>
-                </a:solidFill>
-                <a:latin typeface="Consolas" panose="020B0609020204030204" pitchFamily="49" charset="0"/>
-                <a:cs typeface="Consolas" panose="020B0609020204030204" pitchFamily="49" charset="0"/>
-              </a:rPr>
-              <a:t>) </a:t>
-            </a:r>
-            <a:endParaRPr lang="en-US" altLang="en-US" sz="6000" dirty="0">
-              <a:latin typeface="Arial" panose="020B0604020202020204" pitchFamily="34" charset="0"/>
-            </a:endParaRPr>
-          </a:p>
-          <a:p>
-            <a:pPr marL="0" indent="0">
-              <a:buNone/>
-            </a:pPr>
-            <a:endParaRPr lang="en-CA" b="1" dirty="0"/>
+            <a:r>
+              <a:rPr lang="en-US" dirty="0" smtClean="0"/>
+              <a:t>CSV files</a:t>
+            </a:r>
+            <a:endParaRPr lang="en-US" dirty="0"/>
+          </a:p>
+        </p:txBody>
+      </p:sp>
+      <p:sp>
+        <p:nvSpPr>
+          <p:cNvPr id="3" name="Subtitle 2"/>
+          <p:cNvSpPr>
+            <a:spLocks noGrp="1"/>
+          </p:cNvSpPr>
+          <p:nvPr>
+            <p:ph type="subTitle" idx="1"/>
+          </p:nvPr>
+        </p:nvSpPr>
+        <p:spPr/>
+        <p:txBody>
+          <a:bodyPr/>
+          <a:lstStyle/>
+          <a:p>
+            <a:endParaRPr lang="en-US"/>
           </a:p>
         </p:txBody>
       </p:sp>
     </p:spTree>
     <p:extLst>
       <p:ext uri="{BB962C8B-B14F-4D97-AF65-F5344CB8AC3E}">
-        <p14:creationId xmlns:p14="http://schemas.microsoft.com/office/powerpoint/2010/main" val="264861442"/>
+        <p14:creationId xmlns:p14="http://schemas.microsoft.com/office/powerpoint/2010/main" val="1819734034"/>
       </p:ext>
     </p:extLst>
   </p:cSld>
   <p:clrMapOvr>
     <a:masterClrMapping/>
   </p:clrMapOvr>
-  <p:timing>
-    <p:tnLst>
-      <p:par>
-        <p:cTn id="1" dur="indefinite" restart="never" nodeType="tmRoot">
-          <p:childTnLst>
-            <p:seq concurrent="1" nextAc="seek">
-              <p:cTn id="2" dur="indefinite" nodeType="mainSeq">
-                <p:childTnLst>
-                  <p:par>
-                    <p:cTn id="3" fill="hold">
-                      <p:stCondLst>
-                        <p:cond delay="indefinite"/>
-                      </p:stCondLst>
-                      <p:childTnLst>
-                        <p:par>
-                          <p:cTn id="4" fill="hold">
-                            <p:stCondLst>
-                              <p:cond delay="0"/>
-                            </p:stCondLst>
-                            <p:childTnLst>
-                              <p:par>
-                                <p:cTn id="5" presetID="1" presetClass="entr" presetSubtype="0" fill="hold" grpId="0" nodeType="clickEffect">
-                                  <p:stCondLst>
-                                    <p:cond delay="0"/>
-                                  </p:stCondLst>
-                                  <p:childTnLst>
-                                    <p:set>
-                                      <p:cBhvr>
-                                        <p:cTn id="6" dur="1" fill="hold">
-                                          <p:stCondLst>
-                                            <p:cond delay="0"/>
-                                          </p:stCondLst>
-                                        </p:cTn>
-                                        <p:tgtEl>
-                                          <p:spTgt spid="4">
-                                            <p:txEl>
-                                              <p:pRg st="0" end="0"/>
-                                            </p:txEl>
-                                          </p:spTgt>
-                                        </p:tgtEl>
-                                        <p:attrNameLst>
-                                          <p:attrName>style.visibility</p:attrName>
-                                        </p:attrNameLst>
-                                      </p:cBhvr>
-                                      <p:to>
-                                        <p:strVal val="visible"/>
-                                      </p:to>
-                                    </p:set>
-                                  </p:childTnLst>
-                                </p:cTn>
-                              </p:par>
-                              <p:par>
-                                <p:cTn id="7" presetID="1" presetClass="entr" presetSubtype="0" fill="hold" grpId="0" nodeType="withEffect">
-                                  <p:stCondLst>
-                                    <p:cond delay="0"/>
-                                  </p:stCondLst>
-                                  <p:childTnLst>
-                                    <p:set>
-                                      <p:cBhvr>
-                                        <p:cTn id="8" dur="1" fill="hold">
-                                          <p:stCondLst>
-                                            <p:cond delay="0"/>
-                                          </p:stCondLst>
-                                        </p:cTn>
-                                        <p:tgtEl>
-                                          <p:spTgt spid="4">
-                                            <p:txEl>
-                                              <p:pRg st="1" end="1"/>
-                                            </p:txEl>
-                                          </p:spTgt>
-                                        </p:tgtEl>
-                                        <p:attrNameLst>
-                                          <p:attrName>style.visibility</p:attrName>
-                                        </p:attrNameLst>
-                                      </p:cBhvr>
-                                      <p:to>
-                                        <p:strVal val="visible"/>
-                                      </p:to>
-                                    </p:set>
-                                  </p:childTnLst>
-                                </p:cTn>
-                              </p:par>
-                            </p:childTnLst>
-                          </p:cTn>
-                        </p:par>
-                      </p:childTnLst>
-                    </p:cTn>
-                  </p:par>
-                  <p:par>
-                    <p:cTn id="9" fill="hold">
-                      <p:stCondLst>
-                        <p:cond delay="indefinite"/>
-                      </p:stCondLst>
-                      <p:childTnLst>
-                        <p:par>
-                          <p:cTn id="10" fill="hold">
-                            <p:stCondLst>
-                              <p:cond delay="0"/>
-                            </p:stCondLst>
-                            <p:childTnLst>
-                              <p:par>
-                                <p:cTn id="11" presetID="1" presetClass="entr" presetSubtype="0" fill="hold" grpId="0" nodeType="clickEffect">
-                                  <p:stCondLst>
-                                    <p:cond delay="0"/>
-                                  </p:stCondLst>
-                                  <p:childTnLst>
-                                    <p:set>
-                                      <p:cBhvr>
-                                        <p:cTn id="12" dur="1" fill="hold">
-                                          <p:stCondLst>
-                                            <p:cond delay="0"/>
-                                          </p:stCondLst>
-                                        </p:cTn>
-                                        <p:tgtEl>
-                                          <p:spTgt spid="4">
-                                            <p:txEl>
-                                              <p:pRg st="2" end="2"/>
-                                            </p:txEl>
-                                          </p:spTgt>
-                                        </p:tgtEl>
-                                        <p:attrNameLst>
-                                          <p:attrName>style.visibility</p:attrName>
-                                        </p:attrNameLst>
-                                      </p:cBhvr>
-                                      <p:to>
-                                        <p:strVal val="visible"/>
-                                      </p:to>
-                                    </p:set>
-                                  </p:childTnLst>
-                                </p:cTn>
-                              </p:par>
-                              <p:par>
-                                <p:cTn id="13" presetID="1" presetClass="entr" presetSubtype="0" fill="hold" nodeType="withEffect">
-                                  <p:stCondLst>
-                                    <p:cond delay="0"/>
-                                  </p:stCondLst>
-                                  <p:childTnLst>
-                                    <p:set>
-                                      <p:cBhvr>
-                                        <p:cTn id="14" dur="1" fill="hold">
-                                          <p:stCondLst>
-                                            <p:cond delay="0"/>
-                                          </p:stCondLst>
-                                        </p:cTn>
-                                        <p:tgtEl>
-                                          <p:spTgt spid="4">
-                                            <p:txEl>
-                                              <p:pRg st="3" end="3"/>
-                                            </p:txEl>
-                                          </p:spTgt>
-                                        </p:tgtEl>
-                                        <p:attrNameLst>
-                                          <p:attrName>style.visibility</p:attrName>
-                                        </p:attrNameLst>
-                                      </p:cBhvr>
-                                      <p:to>
-                                        <p:strVal val="visible"/>
-                                      </p:to>
-                                    </p:set>
-                                  </p:childTnLst>
-                                </p:cTn>
-                              </p:par>
-                            </p:childTnLst>
-                          </p:cTn>
-                        </p:par>
-                      </p:childTnLst>
-                    </p:cTn>
-                  </p:par>
-                </p:childTnLst>
-              </p:cTn>
-              <p:prevCondLst>
-                <p:cond evt="onPrev" delay="0">
-                  <p:tgtEl>
-                    <p:sldTgt/>
-                  </p:tgtEl>
-                </p:cond>
-              </p:prevCondLst>
-              <p:nextCondLst>
-                <p:cond evt="onNext" delay="0">
-                  <p:tgtEl>
-                    <p:sldTgt/>
-                  </p:tgtEl>
-                </p:cond>
-              </p:nextCondLst>
-            </p:seq>
-          </p:childTnLst>
-        </p:cTn>
-      </p:par>
-    </p:tnLst>
-    <p:bldLst>
-      <p:bldP spid="4" grpId="0" uiExpand="1" build="p"/>
-    </p:bldLst>
-  </p:timing>
 </p:sld>
 </file>
 
